--- a/bg.pptx
+++ b/bg.pptx
@@ -8259,7 +8259,7 @@
         <p:spPr>
           <a:xfrm>
             <a:off x="593873" y="117523"/>
-            <a:ext cx="5809233" cy="2215937"/>
+            <a:ext cx="9070827" cy="1100240"/>
           </a:xfrm>
           <a:prstGeom prst="snip2DiagRect">
             <a:avLst>

--- a/bg.pptx
+++ b/bg.pptx
@@ -6,8 +6,8 @@
   </p:sldMasterIdLst>
   <p:sldIdLst>
     <p:sldId id="257" r:id="rId2"/>
-    <p:sldId id="258" r:id="rId3"/>
-    <p:sldId id="260" r:id="rId4"/>
+    <p:sldId id="260" r:id="rId3"/>
+    <p:sldId id="258" r:id="rId4"/>
     <p:sldId id="261" r:id="rId5"/>
   </p:sldIdLst>
   <p:sldSz cx="18288000" cy="10287000"/>
@@ -246,7 +246,7 @@
           <a:p>
             <a:fld id="{7818E6A9-D9EB-40D6-95A2-A22B252B5524}" type="datetimeFigureOut">
               <a:rPr lang="en-US" smtClean="0"/>
-              <a:t>4/6/2025</a:t>
+              <a:t>4/10/2025</a:t>
             </a:fld>
             <a:endParaRPr lang="en-US"/>
           </a:p>
@@ -416,7 +416,7 @@
           <a:p>
             <a:fld id="{7818E6A9-D9EB-40D6-95A2-A22B252B5524}" type="datetimeFigureOut">
               <a:rPr lang="en-US" smtClean="0"/>
-              <a:t>4/6/2025</a:t>
+              <a:t>4/10/2025</a:t>
             </a:fld>
             <a:endParaRPr lang="en-US"/>
           </a:p>
@@ -596,7 +596,7 @@
           <a:p>
             <a:fld id="{7818E6A9-D9EB-40D6-95A2-A22B252B5524}" type="datetimeFigureOut">
               <a:rPr lang="en-US" smtClean="0"/>
-              <a:t>4/6/2025</a:t>
+              <a:t>4/10/2025</a:t>
             </a:fld>
             <a:endParaRPr lang="en-US"/>
           </a:p>
@@ -766,7 +766,7 @@
           <a:p>
             <a:fld id="{7818E6A9-D9EB-40D6-95A2-A22B252B5524}" type="datetimeFigureOut">
               <a:rPr lang="en-US" smtClean="0"/>
-              <a:t>4/6/2025</a:t>
+              <a:t>4/10/2025</a:t>
             </a:fld>
             <a:endParaRPr lang="en-US"/>
           </a:p>
@@ -1012,7 +1012,7 @@
           <a:p>
             <a:fld id="{7818E6A9-D9EB-40D6-95A2-A22B252B5524}" type="datetimeFigureOut">
               <a:rPr lang="en-US" smtClean="0"/>
-              <a:t>4/6/2025</a:t>
+              <a:t>4/10/2025</a:t>
             </a:fld>
             <a:endParaRPr lang="en-US"/>
           </a:p>
@@ -1244,7 +1244,7 @@
           <a:p>
             <a:fld id="{7818E6A9-D9EB-40D6-95A2-A22B252B5524}" type="datetimeFigureOut">
               <a:rPr lang="en-US" smtClean="0"/>
-              <a:t>4/6/2025</a:t>
+              <a:t>4/10/2025</a:t>
             </a:fld>
             <a:endParaRPr lang="en-US"/>
           </a:p>
@@ -1611,7 +1611,7 @@
           <a:p>
             <a:fld id="{7818E6A9-D9EB-40D6-95A2-A22B252B5524}" type="datetimeFigureOut">
               <a:rPr lang="en-US" smtClean="0"/>
-              <a:t>4/6/2025</a:t>
+              <a:t>4/10/2025</a:t>
             </a:fld>
             <a:endParaRPr lang="en-US"/>
           </a:p>
@@ -1729,7 +1729,7 @@
           <a:p>
             <a:fld id="{7818E6A9-D9EB-40D6-95A2-A22B252B5524}" type="datetimeFigureOut">
               <a:rPr lang="en-US" smtClean="0"/>
-              <a:t>4/6/2025</a:t>
+              <a:t>4/10/2025</a:t>
             </a:fld>
             <a:endParaRPr lang="en-US"/>
           </a:p>
@@ -1824,7 +1824,7 @@
           <a:p>
             <a:fld id="{7818E6A9-D9EB-40D6-95A2-A22B252B5524}" type="datetimeFigureOut">
               <a:rPr lang="en-US" smtClean="0"/>
-              <a:t>4/6/2025</a:t>
+              <a:t>4/10/2025</a:t>
             </a:fld>
             <a:endParaRPr lang="en-US"/>
           </a:p>
@@ -2101,7 +2101,7 @@
           <a:p>
             <a:fld id="{7818E6A9-D9EB-40D6-95A2-A22B252B5524}" type="datetimeFigureOut">
               <a:rPr lang="en-US" smtClean="0"/>
-              <a:t>4/6/2025</a:t>
+              <a:t>4/10/2025</a:t>
             </a:fld>
             <a:endParaRPr lang="en-US"/>
           </a:p>
@@ -2358,7 +2358,7 @@
           <a:p>
             <a:fld id="{7818E6A9-D9EB-40D6-95A2-A22B252B5524}" type="datetimeFigureOut">
               <a:rPr lang="en-US" smtClean="0"/>
-              <a:t>4/6/2025</a:t>
+              <a:t>4/10/2025</a:t>
             </a:fld>
             <a:endParaRPr lang="en-US"/>
           </a:p>
@@ -2571,7 +2571,7 @@
           <a:p>
             <a:fld id="{7818E6A9-D9EB-40D6-95A2-A22B252B5524}" type="datetimeFigureOut">
               <a:rPr lang="en-US" smtClean="0"/>
-              <a:t>4/6/2025</a:t>
+              <a:t>4/10/2025</a:t>
             </a:fld>
             <a:endParaRPr lang="en-US"/>
           </a:p>
@@ -4365,10 +4365,10 @@
       </p:grpSpPr>
       <p:sp>
         <p:nvSpPr>
-          <p:cNvPr id="15" name="TextBox 14">
+          <p:cNvPr id="17" name="TextBox 16">
             <a:extLst>
               <a:ext uri="{FF2B5EF4-FFF2-40B4-BE49-F238E27FC236}">
-                <a16:creationId xmlns:a16="http://schemas.microsoft.com/office/drawing/2014/main" id="{52915AED-4804-89D8-B91E-B67E39694A0E}"/>
+                <a16:creationId xmlns:a16="http://schemas.microsoft.com/office/drawing/2014/main" id="{0F86A0B2-BBB2-597F-31D4-CFAD43DA5526}"/>
               </a:ext>
             </a:extLst>
           </p:cNvPr>
@@ -4483,10 +4483,10 @@
       </p:sp>
       <p:sp>
         <p:nvSpPr>
-          <p:cNvPr id="6" name="Rectangle: Rounded Corners 5">
+          <p:cNvPr id="18" name="Rectangle: Rounded Corners 17">
             <a:extLst>
               <a:ext uri="{FF2B5EF4-FFF2-40B4-BE49-F238E27FC236}">
-                <a16:creationId xmlns:a16="http://schemas.microsoft.com/office/drawing/2014/main" id="{E98DE96F-D0AD-7E2F-8FBD-3852C23C9EA4}"/>
+                <a16:creationId xmlns:a16="http://schemas.microsoft.com/office/drawing/2014/main" id="{7F7F1F1D-6480-8350-A094-E9887215EB8A}"/>
               </a:ext>
             </a:extLst>
           </p:cNvPr>
@@ -4495,8 +4495,8 @@
         </p:nvSpPr>
         <p:spPr>
           <a:xfrm>
-            <a:off x="11155680" y="6708777"/>
-            <a:ext cx="6987540" cy="3478527"/>
+            <a:off x="9693209" y="99698"/>
+            <a:ext cx="8465820" cy="3184602"/>
           </a:xfrm>
           <a:prstGeom prst="roundRect">
             <a:avLst>
@@ -4539,10 +4539,10 @@
       </p:sp>
       <p:sp>
         <p:nvSpPr>
-          <p:cNvPr id="7" name="Rectangle: Rounded Corners 6">
+          <p:cNvPr id="19" name="Rectangle: Rounded Corners 18">
             <a:extLst>
               <a:ext uri="{FF2B5EF4-FFF2-40B4-BE49-F238E27FC236}">
-                <a16:creationId xmlns:a16="http://schemas.microsoft.com/office/drawing/2014/main" id="{5DBED00C-9DC5-C17B-07A3-E57AC74BEAC7}"/>
+                <a16:creationId xmlns:a16="http://schemas.microsoft.com/office/drawing/2014/main" id="{0D997E00-97A4-F037-CD42-80AB7B0A505F}"/>
               </a:ext>
             </a:extLst>
           </p:cNvPr>
@@ -4551,8 +4551,8 @@
         </p:nvSpPr>
         <p:spPr>
           <a:xfrm>
-            <a:off x="5269322" y="6708777"/>
-            <a:ext cx="5714886" cy="3478527"/>
+            <a:off x="144780" y="99698"/>
+            <a:ext cx="9340596" cy="3184602"/>
           </a:xfrm>
           <a:prstGeom prst="roundRect">
             <a:avLst>
@@ -4585,20 +4585,272 @@
           </a:fontRef>
         </p:style>
         <p:txBody>
-          <a:bodyPr rtlCol="0" anchor="ctr"/>
-          <a:lstStyle/>
-          <a:p>
-            <a:pPr algn="ctr"/>
-            <a:endParaRPr lang="en-US" sz="4050" dirty="0"/>
-          </a:p>
-        </p:txBody>
-      </p:sp>
-      <p:sp>
-        <p:nvSpPr>
-          <p:cNvPr id="8" name="Rectangle: Rounded Corners 7">
+          <a:bodyPr rtlCol="0" anchor="t"/>
+          <a:lstStyle/>
+          <a:p>
+            <a:endParaRPr lang="en-US" sz="2100" dirty="0">
+              <a:solidFill>
+                <a:srgbClr val="013B43"/>
+              </a:solidFill>
+              <a:latin typeface="Bahnschrift Light Condensed" panose="020B0502040204020203" pitchFamily="34" charset="0"/>
+            </a:endParaRPr>
+          </a:p>
+        </p:txBody>
+      </p:sp>
+      <p:sp>
+        <p:nvSpPr>
+          <p:cNvPr id="22" name="TextBox 21">
             <a:extLst>
               <a:ext uri="{FF2B5EF4-FFF2-40B4-BE49-F238E27FC236}">
-                <a16:creationId xmlns:a16="http://schemas.microsoft.com/office/drawing/2014/main" id="{3B0FCFD4-2F8A-2186-FC18-8B62D733406C}"/>
+                <a16:creationId xmlns:a16="http://schemas.microsoft.com/office/drawing/2014/main" id="{5127DD70-5195-D147-425E-B61E3CBCC531}"/>
+              </a:ext>
+            </a:extLst>
+          </p:cNvPr>
+          <p:cNvSpPr txBox="1"/>
+          <p:nvPr/>
+        </p:nvSpPr>
+        <p:spPr>
+          <a:xfrm>
+            <a:off x="9864659" y="-24973"/>
+            <a:ext cx="4585253" cy="430311"/>
+          </a:xfrm>
+          <a:prstGeom prst="rect">
+            <a:avLst/>
+          </a:prstGeom>
+          <a:noFill/>
+        </p:spPr>
+        <p:txBody>
+          <a:bodyPr wrap="square" rtlCol="0">
+            <a:spAutoFit/>
+          </a:bodyPr>
+          <a:lstStyle/>
+          <a:p>
+            <a:pPr>
+              <a:lnSpc>
+                <a:spcPct val="150000"/>
+              </a:lnSpc>
+            </a:pPr>
+            <a:r>
+              <a:rPr lang="en-US" sz="1650" b="1" dirty="0">
+                <a:solidFill>
+                  <a:srgbClr val="013B43"/>
+                </a:solidFill>
+                <a:latin typeface="Bahnschrift Light Condensed" panose="020B0502040204020203" pitchFamily="34" charset="0"/>
+              </a:rPr>
+              <a:t>Regional distribution in Czechia</a:t>
+            </a:r>
+          </a:p>
+        </p:txBody>
+      </p:sp>
+      <p:grpSp>
+        <p:nvGrpSpPr>
+          <p:cNvPr id="23" name="Group 22">
+            <a:extLst>
+              <a:ext uri="{FF2B5EF4-FFF2-40B4-BE49-F238E27FC236}">
+                <a16:creationId xmlns:a16="http://schemas.microsoft.com/office/drawing/2014/main" id="{12E1843B-728C-986C-FE2D-9DF1673CFD28}"/>
+              </a:ext>
+            </a:extLst>
+          </p:cNvPr>
+          <p:cNvGrpSpPr/>
+          <p:nvPr/>
+        </p:nvGrpSpPr>
+        <p:grpSpPr>
+          <a:xfrm>
+            <a:off x="9954117" y="823427"/>
+            <a:ext cx="578562" cy="2095659"/>
+            <a:chOff x="6523247" y="489118"/>
+            <a:chExt cx="385708" cy="1397106"/>
+          </a:xfrm>
+        </p:grpSpPr>
+        <p:sp>
+          <p:nvSpPr>
+            <p:cNvPr id="24" name="Rectangle: Rounded Corners 23">
+              <a:extLst>
+                <a:ext uri="{FF2B5EF4-FFF2-40B4-BE49-F238E27FC236}">
+                  <a16:creationId xmlns:a16="http://schemas.microsoft.com/office/drawing/2014/main" id="{2392D6E0-235C-BA08-E80A-D256979189DE}"/>
+                </a:ext>
+              </a:extLst>
+            </p:cNvPr>
+            <p:cNvSpPr/>
+            <p:nvPr/>
+          </p:nvSpPr>
+          <p:spPr>
+            <a:xfrm rot="10800000">
+              <a:off x="6523247" y="511722"/>
+              <a:ext cx="341196" cy="1374502"/>
+            </a:xfrm>
+            <a:prstGeom prst="roundRect">
+              <a:avLst>
+                <a:gd name="adj" fmla="val 50000"/>
+              </a:avLst>
+            </a:prstGeom>
+            <a:gradFill>
+              <a:gsLst>
+                <a:gs pos="0">
+                  <a:srgbClr val="E2FFFC"/>
+                </a:gs>
+                <a:gs pos="100000">
+                  <a:srgbClr val="00D2B5"/>
+                </a:gs>
+              </a:gsLst>
+              <a:lin ang="5400000" scaled="1"/>
+            </a:gradFill>
+            <a:ln w="12700">
+              <a:solidFill>
+                <a:srgbClr val="352B5B"/>
+              </a:solidFill>
+            </a:ln>
+          </p:spPr>
+          <p:style>
+            <a:lnRef idx="2">
+              <a:schemeClr val="accent1">
+                <a:shade val="15000"/>
+              </a:schemeClr>
+            </a:lnRef>
+            <a:fillRef idx="1">
+              <a:schemeClr val="accent1"/>
+            </a:fillRef>
+            <a:effectRef idx="0">
+              <a:schemeClr val="accent1"/>
+            </a:effectRef>
+            <a:fontRef idx="minor">
+              <a:schemeClr val="lt1"/>
+            </a:fontRef>
+          </p:style>
+          <p:txBody>
+            <a:bodyPr rtlCol="0" anchor="ctr"/>
+            <a:lstStyle/>
+            <a:p>
+              <a:pPr algn="ctr"/>
+              <a:endParaRPr lang="en-US" sz="4050" dirty="0"/>
+            </a:p>
+          </p:txBody>
+        </p:sp>
+        <p:sp>
+          <p:nvSpPr>
+            <p:cNvPr id="25" name="TextBox 24">
+              <a:extLst>
+                <a:ext uri="{FF2B5EF4-FFF2-40B4-BE49-F238E27FC236}">
+                  <a16:creationId xmlns:a16="http://schemas.microsoft.com/office/drawing/2014/main" id="{49835D92-9941-3969-9C79-0A0AF73F4D23}"/>
+                </a:ext>
+              </a:extLst>
+            </p:cNvPr>
+            <p:cNvSpPr txBox="1"/>
+            <p:nvPr/>
+          </p:nvSpPr>
+          <p:spPr>
+            <a:xfrm>
+              <a:off x="6526022" y="489118"/>
+              <a:ext cx="382933" cy="1376018"/>
+            </a:xfrm>
+            <a:prstGeom prst="rect">
+              <a:avLst/>
+            </a:prstGeom>
+            <a:noFill/>
+          </p:spPr>
+          <p:txBody>
+            <a:bodyPr wrap="square" rtlCol="0">
+              <a:spAutoFit/>
+            </a:bodyPr>
+            <a:lstStyle/>
+            <a:p>
+              <a:pPr>
+                <a:lnSpc>
+                  <a:spcPct val="150000"/>
+                </a:lnSpc>
+              </a:pPr>
+              <a:r>
+                <a:rPr lang="en-US" sz="1350" b="1" dirty="0">
+                  <a:solidFill>
+                    <a:srgbClr val="352B5B"/>
+                  </a:solidFill>
+                  <a:latin typeface="Bahnschrift Light Condensed" panose="020B0502040204020203" pitchFamily="34" charset="0"/>
+                </a:rPr>
+                <a:t>MAX</a:t>
+              </a:r>
+            </a:p>
+            <a:p>
+              <a:pPr>
+                <a:lnSpc>
+                  <a:spcPct val="150000"/>
+                </a:lnSpc>
+              </a:pPr>
+              <a:br>
+                <a:rPr lang="en-US" sz="1350" b="1" dirty="0">
+                  <a:solidFill>
+                    <a:srgbClr val="352B5B"/>
+                  </a:solidFill>
+                  <a:latin typeface="Bahnschrift Light Condensed" panose="020B0502040204020203" pitchFamily="34" charset="0"/>
+                </a:rPr>
+              </a:br>
+              <a:br>
+                <a:rPr lang="en-US" sz="1350" b="1" dirty="0">
+                  <a:solidFill>
+                    <a:srgbClr val="352B5B"/>
+                  </a:solidFill>
+                  <a:latin typeface="Bahnschrift Light Condensed" panose="020B0502040204020203" pitchFamily="34" charset="0"/>
+                </a:rPr>
+              </a:br>
+              <a:endParaRPr lang="en-US" sz="900" b="1" dirty="0">
+                <a:solidFill>
+                  <a:srgbClr val="352B5B"/>
+                </a:solidFill>
+                <a:latin typeface="Bahnschrift Light Condensed" panose="020B0502040204020203" pitchFamily="34" charset="0"/>
+              </a:endParaRPr>
+            </a:p>
+            <a:p>
+              <a:pPr>
+                <a:lnSpc>
+                  <a:spcPct val="150000"/>
+                </a:lnSpc>
+              </a:pPr>
+              <a:endParaRPr lang="en-US" sz="2400" b="1" dirty="0">
+                <a:solidFill>
+                  <a:srgbClr val="352B5B"/>
+                </a:solidFill>
+                <a:latin typeface="Bahnschrift Light Condensed" panose="020B0502040204020203" pitchFamily="34" charset="0"/>
+              </a:endParaRPr>
+            </a:p>
+            <a:p>
+              <a:pPr>
+                <a:lnSpc>
+                  <a:spcPct val="150000"/>
+                </a:lnSpc>
+              </a:pPr>
+              <a:r>
+                <a:rPr lang="en-US" sz="450" b="1" dirty="0">
+                  <a:solidFill>
+                    <a:srgbClr val="352B5B"/>
+                  </a:solidFill>
+                  <a:latin typeface="Bahnschrift Light Condensed" panose="020B0502040204020203" pitchFamily="34" charset="0"/>
+                </a:rPr>
+                <a:t> </a:t>
+              </a:r>
+              <a:r>
+                <a:rPr lang="en-US" sz="1350" b="1" dirty="0">
+                  <a:solidFill>
+                    <a:srgbClr val="352B5B"/>
+                  </a:solidFill>
+                  <a:latin typeface="Bahnschrift Light Condensed" panose="020B0502040204020203" pitchFamily="34" charset="0"/>
+                </a:rPr>
+                <a:t>MIN</a:t>
+              </a:r>
+              <a:endParaRPr lang="en-US" sz="1350" dirty="0">
+                <a:solidFill>
+                  <a:srgbClr val="352B5B"/>
+                </a:solidFill>
+                <a:latin typeface="Bahnschrift Light Condensed" panose="020B0502040204020203" pitchFamily="34" charset="0"/>
+              </a:endParaRPr>
+            </a:p>
+          </p:txBody>
+        </p:sp>
+      </p:grpSp>
+      <p:sp>
+        <p:nvSpPr>
+          <p:cNvPr id="29" name="Rectangle: Rounded Corners 28">
+            <a:extLst>
+              <a:ext uri="{FF2B5EF4-FFF2-40B4-BE49-F238E27FC236}">
+                <a16:creationId xmlns:a16="http://schemas.microsoft.com/office/drawing/2014/main" id="{FFC20CAD-AA14-10E5-B549-1793A465C864}"/>
               </a:ext>
             </a:extLst>
           </p:cNvPr>
@@ -4607,12 +4859,12 @@
         </p:nvSpPr>
         <p:spPr>
           <a:xfrm>
-            <a:off x="144780" y="6708777"/>
-            <a:ext cx="4930140" cy="3478527"/>
+            <a:off x="144781" y="3458816"/>
+            <a:ext cx="4557617" cy="6728487"/>
           </a:xfrm>
           <a:prstGeom prst="roundRect">
             <a:avLst>
-              <a:gd name="adj" fmla="val 7212"/>
+              <a:gd name="adj" fmla="val 5192"/>
             </a:avLst>
           </a:prstGeom>
           <a:solidFill>
@@ -4641,20 +4893,24 @@
           </a:fontRef>
         </p:style>
         <p:txBody>
-          <a:bodyPr rtlCol="0" anchor="ctr"/>
-          <a:lstStyle/>
-          <a:p>
-            <a:pPr algn="ctr"/>
-            <a:endParaRPr lang="en-US" sz="4050" dirty="0"/>
-          </a:p>
-        </p:txBody>
-      </p:sp>
-      <p:sp>
-        <p:nvSpPr>
-          <p:cNvPr id="9" name="Rectangle: Rounded Corners 8">
+          <a:bodyPr rtlCol="0" anchor="t"/>
+          <a:lstStyle/>
+          <a:p>
+            <a:endParaRPr lang="en-US" sz="2100" dirty="0">
+              <a:solidFill>
+                <a:srgbClr val="013B43"/>
+              </a:solidFill>
+              <a:latin typeface="Bahnschrift Light Condensed" panose="020B0502040204020203" pitchFamily="34" charset="0"/>
+            </a:endParaRPr>
+          </a:p>
+        </p:txBody>
+      </p:sp>
+      <p:sp>
+        <p:nvSpPr>
+          <p:cNvPr id="31" name="Rectangle: Rounded Corners 30">
             <a:extLst>
               <a:ext uri="{FF2B5EF4-FFF2-40B4-BE49-F238E27FC236}">
-                <a16:creationId xmlns:a16="http://schemas.microsoft.com/office/drawing/2014/main" id="{FCFE9D28-839D-43FA-78BC-BE2CF89C6A2E}"/>
+                <a16:creationId xmlns:a16="http://schemas.microsoft.com/office/drawing/2014/main" id="{0F0AAB5B-C8C5-AFA8-AC44-D485170A3BA7}"/>
               </a:ext>
             </a:extLst>
           </p:cNvPr>
@@ -4663,8 +4919,8 @@
         </p:nvSpPr>
         <p:spPr>
           <a:xfrm>
-            <a:off x="144780" y="3456024"/>
-            <a:ext cx="4930140" cy="3081027"/>
+            <a:off x="4870123" y="6559826"/>
+            <a:ext cx="13288907" cy="3646208"/>
           </a:xfrm>
           <a:prstGeom prst="roundRect">
             <a:avLst>
@@ -4701,16 +4957,19 @@
           <a:lstStyle/>
           <a:p>
             <a:pPr algn="ctr"/>
-            <a:endParaRPr lang="en-US" sz="4050" dirty="0"/>
-          </a:p>
-        </p:txBody>
-      </p:sp>
-      <p:sp>
-        <p:nvSpPr>
-          <p:cNvPr id="10" name="Rectangle: Rounded Corners 9">
+            <a:r>
+              <a:rPr lang="en-US" sz="4050" dirty="0"/>
+              <a:t> </a:t>
+            </a:r>
+          </a:p>
+        </p:txBody>
+      </p:sp>
+      <p:sp>
+        <p:nvSpPr>
+          <p:cNvPr id="32" name="Rectangle: Rounded Corners 31">
             <a:extLst>
               <a:ext uri="{FF2B5EF4-FFF2-40B4-BE49-F238E27FC236}">
-                <a16:creationId xmlns:a16="http://schemas.microsoft.com/office/drawing/2014/main" id="{BD289AFD-1444-1CB5-8DD3-C940A2EBA125}"/>
+                <a16:creationId xmlns:a16="http://schemas.microsoft.com/office/drawing/2014/main" id="{C37CFB12-356B-43F8-B919-97BF2BE1E619}"/>
               </a:ext>
             </a:extLst>
           </p:cNvPr>
@@ -4719,8 +4978,8 @@
         </p:nvSpPr>
         <p:spPr>
           <a:xfrm>
-            <a:off x="5269322" y="3456024"/>
-            <a:ext cx="4217579" cy="3081027"/>
+            <a:off x="13735879" y="3458816"/>
+            <a:ext cx="4423151" cy="2961863"/>
           </a:xfrm>
           <a:prstGeom prst="roundRect">
             <a:avLst>
@@ -4763,10 +5022,10 @@
       </p:sp>
       <p:sp>
         <p:nvSpPr>
-          <p:cNvPr id="12" name="Rectangle: Rounded Corners 11">
+          <p:cNvPr id="33" name="Rectangle: Rounded Corners 32">
             <a:extLst>
               <a:ext uri="{FF2B5EF4-FFF2-40B4-BE49-F238E27FC236}">
-                <a16:creationId xmlns:a16="http://schemas.microsoft.com/office/drawing/2014/main" id="{4B101A0F-FA4E-CD34-F6D4-684FCE7D07C9}"/>
+                <a16:creationId xmlns:a16="http://schemas.microsoft.com/office/drawing/2014/main" id="{EDAA8FA4-FD28-D64B-E541-D40A48AEAF38}"/>
               </a:ext>
             </a:extLst>
           </p:cNvPr>
@@ -4775,8 +5034,8 @@
         </p:nvSpPr>
         <p:spPr>
           <a:xfrm>
-            <a:off x="9677400" y="3456024"/>
-            <a:ext cx="8465820" cy="3081027"/>
+            <a:off x="4826692" y="3458816"/>
+            <a:ext cx="8780216" cy="2961863"/>
           </a:xfrm>
           <a:prstGeom prst="roundRect">
             <a:avLst>
@@ -4819,10 +5078,10 @@
       </p:sp>
       <p:sp>
         <p:nvSpPr>
-          <p:cNvPr id="13" name="Rectangle: Rounded Corners 12">
+          <p:cNvPr id="20" name="Rectangle: Diagonal Corners Rounded 19">
             <a:extLst>
               <a:ext uri="{FF2B5EF4-FFF2-40B4-BE49-F238E27FC236}">
-                <a16:creationId xmlns:a16="http://schemas.microsoft.com/office/drawing/2014/main" id="{B8BDB478-826F-25B9-16D5-EAF0509915DA}"/>
+                <a16:creationId xmlns:a16="http://schemas.microsoft.com/office/drawing/2014/main" id="{2452ADD8-CCAD-5B59-1FC5-02D9F9C2DB4D}"/>
               </a:ext>
             </a:extLst>
           </p:cNvPr>
@@ -4831,20 +5090,23 @@
         </p:nvSpPr>
         <p:spPr>
           <a:xfrm>
-            <a:off x="9693209" y="99698"/>
-            <a:ext cx="8465820" cy="3184602"/>
-          </a:xfrm>
-          <a:prstGeom prst="roundRect">
+            <a:off x="4826691" y="80967"/>
+            <a:ext cx="4672116" cy="1966494"/>
+          </a:xfrm>
+          <a:prstGeom prst="round2DiagRect">
             <a:avLst>
-              <a:gd name="adj" fmla="val 7212"/>
+              <a:gd name="adj1" fmla="val 0"/>
+              <a:gd name="adj2" fmla="val 13971"/>
             </a:avLst>
           </a:prstGeom>
           <a:solidFill>
-            <a:srgbClr val="FCECDC"/>
+            <a:srgbClr val="FCECDC">
+              <a:alpha val="66000"/>
+            </a:srgbClr>
           </a:solidFill>
           <a:ln>
             <a:solidFill>
-              <a:srgbClr val="FCECDC"/>
+              <a:schemeClr val="bg1"/>
             </a:solidFill>
           </a:ln>
         </p:spPr>
@@ -4865,20 +5127,153 @@
           </a:fontRef>
         </p:style>
         <p:txBody>
-          <a:bodyPr rtlCol="0" anchor="ctr"/>
-          <a:lstStyle/>
-          <a:p>
-            <a:pPr algn="ctr"/>
-            <a:endParaRPr lang="en-US" sz="4050" dirty="0"/>
-          </a:p>
-        </p:txBody>
-      </p:sp>
-      <p:sp>
-        <p:nvSpPr>
-          <p:cNvPr id="17" name="Rectangle: Diagonal Corners Snipped 16">
+          <a:bodyPr rtlCol="0" anchor="t"/>
+          <a:lstStyle/>
+          <a:p>
+            <a:endParaRPr lang="en-US" sz="4050" dirty="0">
+              <a:solidFill>
+                <a:srgbClr val="013B43"/>
+              </a:solidFill>
+              <a:latin typeface="Bahnschrift Light Condensed" panose="020B0502040204020203" pitchFamily="34" charset="0"/>
+            </a:endParaRPr>
+          </a:p>
+        </p:txBody>
+      </p:sp>
+      <p:sp>
+        <p:nvSpPr>
+          <p:cNvPr id="21" name="TextBox 20">
             <a:extLst>
               <a:ext uri="{FF2B5EF4-FFF2-40B4-BE49-F238E27FC236}">
-                <a16:creationId xmlns:a16="http://schemas.microsoft.com/office/drawing/2014/main" id="{DF2B757E-665A-FEB4-AB37-678D68BA35EF}"/>
+                <a16:creationId xmlns:a16="http://schemas.microsoft.com/office/drawing/2014/main" id="{19DDFB94-9255-2018-DFC4-88FB4E68ACD3}"/>
+              </a:ext>
+            </a:extLst>
+          </p:cNvPr>
+          <p:cNvSpPr txBox="1"/>
+          <p:nvPr/>
+        </p:nvSpPr>
+        <p:spPr>
+          <a:xfrm>
+            <a:off x="4870123" y="607242"/>
+            <a:ext cx="4585253" cy="1302280"/>
+          </a:xfrm>
+          <a:prstGeom prst="rect">
+            <a:avLst/>
+          </a:prstGeom>
+          <a:noFill/>
+        </p:spPr>
+        <p:txBody>
+          <a:bodyPr wrap="square" rtlCol="0">
+            <a:spAutoFit/>
+          </a:bodyPr>
+          <a:lstStyle/>
+          <a:p>
+            <a:pPr>
+              <a:lnSpc>
+                <a:spcPct val="150000"/>
+              </a:lnSpc>
+            </a:pPr>
+            <a:r>
+              <a:rPr lang="en-US" sz="1350" b="1" dirty="0">
+                <a:solidFill>
+                  <a:srgbClr val="013B43"/>
+                </a:solidFill>
+                <a:latin typeface="Bahnschrift Light Condensed" panose="020B0502040204020203" pitchFamily="34" charset="0"/>
+              </a:rPr>
+              <a:t>Impressions</a:t>
+            </a:r>
+            <a:r>
+              <a:rPr lang="en-US" sz="1350" dirty="0">
+                <a:solidFill>
+                  <a:srgbClr val="013B43"/>
+                </a:solidFill>
+                <a:latin typeface="Bahnschrift Light Condensed" panose="020B0502040204020203" pitchFamily="34" charset="0"/>
+              </a:rPr>
+              <a:t> = The number of times ads were displayed on screen.</a:t>
+            </a:r>
+          </a:p>
+          <a:p>
+            <a:pPr>
+              <a:lnSpc>
+                <a:spcPct val="150000"/>
+              </a:lnSpc>
+            </a:pPr>
+            <a:r>
+              <a:rPr lang="en-US" sz="1350" b="1" dirty="0">
+                <a:solidFill>
+                  <a:srgbClr val="013B43"/>
+                </a:solidFill>
+                <a:latin typeface="Bahnschrift Light Condensed" panose="020B0502040204020203" pitchFamily="34" charset="0"/>
+              </a:rPr>
+              <a:t>Spending</a:t>
+            </a:r>
+            <a:r>
+              <a:rPr lang="en-US" sz="1350" dirty="0">
+                <a:solidFill>
+                  <a:srgbClr val="013B43"/>
+                </a:solidFill>
+                <a:latin typeface="Bahnschrift Light Condensed" panose="020B0502040204020203" pitchFamily="34" charset="0"/>
+              </a:rPr>
+              <a:t> = The amount of money spent running the ad.</a:t>
+            </a:r>
+          </a:p>
+          <a:p>
+            <a:pPr>
+              <a:lnSpc>
+                <a:spcPct val="150000"/>
+              </a:lnSpc>
+            </a:pPr>
+            <a:r>
+              <a:rPr lang="en-US" sz="1350" b="1" dirty="0">
+                <a:solidFill>
+                  <a:srgbClr val="013B43"/>
+                </a:solidFill>
+                <a:latin typeface="Bahnschrift Light Condensed" panose="020B0502040204020203" pitchFamily="34" charset="0"/>
+              </a:rPr>
+              <a:t>Reach</a:t>
+            </a:r>
+            <a:r>
+              <a:rPr lang="en-US" sz="1350" dirty="0">
+                <a:solidFill>
+                  <a:srgbClr val="013B43"/>
+                </a:solidFill>
+                <a:latin typeface="Bahnschrift Light Condensed" panose="020B0502040204020203" pitchFamily="34" charset="0"/>
+              </a:rPr>
+              <a:t> = The number of unique users who see the ad.</a:t>
+            </a:r>
+          </a:p>
+          <a:p>
+            <a:pPr>
+              <a:lnSpc>
+                <a:spcPct val="150000"/>
+              </a:lnSpc>
+            </a:pPr>
+            <a:r>
+              <a:rPr lang="en-US" sz="1350" b="1" dirty="0">
+                <a:solidFill>
+                  <a:srgbClr val="013B43"/>
+                </a:solidFill>
+                <a:latin typeface="Bahnschrift Light Condensed" panose="020B0502040204020203" pitchFamily="34" charset="0"/>
+              </a:rPr>
+              <a:t>Audience </a:t>
+            </a:r>
+            <a:r>
+              <a:rPr lang="en-US" sz="1350" dirty="0">
+                <a:solidFill>
+                  <a:srgbClr val="013B43"/>
+                </a:solidFill>
+                <a:latin typeface="Bahnschrift Light Condensed" panose="020B0502040204020203" pitchFamily="34" charset="0"/>
+              </a:rPr>
+              <a:t>= The number of potential users the advertiser target.</a:t>
+            </a:r>
+          </a:p>
+        </p:txBody>
+      </p:sp>
+      <p:sp>
+        <p:nvSpPr>
+          <p:cNvPr id="39" name="Rectangle: Diagonal Corners Snipped 38">
+            <a:extLst>
+              <a:ext uri="{FF2B5EF4-FFF2-40B4-BE49-F238E27FC236}">
+                <a16:creationId xmlns:a16="http://schemas.microsoft.com/office/drawing/2014/main" id="{9DC7118F-0202-B310-CEEE-0F6FDEFC407A}"/>
               </a:ext>
             </a:extLst>
           </p:cNvPr>
@@ -4887,8 +5282,340 @@
         </p:nvSpPr>
         <p:spPr>
           <a:xfrm>
-            <a:off x="9610403" y="6649999"/>
-            <a:ext cx="1423832" cy="846278"/>
+            <a:off x="4766070" y="3339045"/>
+            <a:ext cx="4503894" cy="513543"/>
+          </a:xfrm>
+          <a:prstGeom prst="snip2DiagRect">
+            <a:avLst>
+              <a:gd name="adj1" fmla="val 0"/>
+              <a:gd name="adj2" fmla="val 16667"/>
+            </a:avLst>
+          </a:prstGeom>
+          <a:noFill/>
+        </p:spPr>
+        <p:txBody>
+          <a:bodyPr wrap="square" rtlCol="0">
+            <a:spAutoFit/>
+          </a:bodyPr>
+          <a:lstStyle/>
+          <a:p>
+            <a:pPr>
+              <a:lnSpc>
+                <a:spcPct val="150000"/>
+              </a:lnSpc>
+            </a:pPr>
+            <a:r>
+              <a:rPr lang="en-US" sz="1650" b="1" dirty="0">
+                <a:solidFill>
+                  <a:srgbClr val="013B43"/>
+                </a:solidFill>
+                <a:latin typeface="Bahnschrift Light Condensed" panose="020B0502040204020203" pitchFamily="34" charset="0"/>
+              </a:rPr>
+              <a:t>Age base Pareto principle and top advertisers</a:t>
+            </a:r>
+          </a:p>
+        </p:txBody>
+      </p:sp>
+      <p:sp>
+        <p:nvSpPr>
+          <p:cNvPr id="40" name="Rectangle: Diagonal Corners Snipped 39">
+            <a:extLst>
+              <a:ext uri="{FF2B5EF4-FFF2-40B4-BE49-F238E27FC236}">
+                <a16:creationId xmlns:a16="http://schemas.microsoft.com/office/drawing/2014/main" id="{6C579F74-86A1-24E5-117C-FC0D9A60A654}"/>
+              </a:ext>
+            </a:extLst>
+          </p:cNvPr>
+          <p:cNvSpPr/>
+          <p:nvPr/>
+        </p:nvSpPr>
+        <p:spPr>
+          <a:xfrm>
+            <a:off x="13833360" y="3325795"/>
+            <a:ext cx="4503894" cy="513543"/>
+          </a:xfrm>
+          <a:prstGeom prst="snip2DiagRect">
+            <a:avLst>
+              <a:gd name="adj1" fmla="val 0"/>
+              <a:gd name="adj2" fmla="val 16667"/>
+            </a:avLst>
+          </a:prstGeom>
+          <a:noFill/>
+        </p:spPr>
+        <p:txBody>
+          <a:bodyPr wrap="square" rtlCol="0">
+            <a:spAutoFit/>
+          </a:bodyPr>
+          <a:lstStyle/>
+          <a:p>
+            <a:pPr>
+              <a:lnSpc>
+                <a:spcPct val="150000"/>
+              </a:lnSpc>
+            </a:pPr>
+            <a:r>
+              <a:rPr lang="en-US" sz="1650" b="1" dirty="0">
+                <a:solidFill>
+                  <a:srgbClr val="013B43"/>
+                </a:solidFill>
+                <a:latin typeface="Bahnschrift Light Condensed" panose="020B0502040204020203" pitchFamily="34" charset="0"/>
+              </a:rPr>
+              <a:t>Change of advertisement over time </a:t>
+            </a:r>
+          </a:p>
+        </p:txBody>
+      </p:sp>
+      <p:sp>
+        <p:nvSpPr>
+          <p:cNvPr id="46" name="Rectangle: Diagonal Corners Snipped 45">
+            <a:extLst>
+              <a:ext uri="{FF2B5EF4-FFF2-40B4-BE49-F238E27FC236}">
+                <a16:creationId xmlns:a16="http://schemas.microsoft.com/office/drawing/2014/main" id="{A0F54A76-3ACD-9809-7662-C2D111BA5092}"/>
+              </a:ext>
+            </a:extLst>
+          </p:cNvPr>
+          <p:cNvSpPr/>
+          <p:nvPr/>
+        </p:nvSpPr>
+        <p:spPr>
+          <a:xfrm>
+            <a:off x="164694" y="3339046"/>
+            <a:ext cx="4503894" cy="513543"/>
+          </a:xfrm>
+          <a:prstGeom prst="snip2DiagRect">
+            <a:avLst>
+              <a:gd name="adj1" fmla="val 0"/>
+              <a:gd name="adj2" fmla="val 16667"/>
+            </a:avLst>
+          </a:prstGeom>
+          <a:noFill/>
+        </p:spPr>
+        <p:txBody>
+          <a:bodyPr wrap="square" rtlCol="0">
+            <a:spAutoFit/>
+          </a:bodyPr>
+          <a:lstStyle/>
+          <a:p>
+            <a:pPr>
+              <a:lnSpc>
+                <a:spcPct val="150000"/>
+              </a:lnSpc>
+            </a:pPr>
+            <a:r>
+              <a:rPr lang="en-US" sz="1650" b="1" dirty="0">
+                <a:solidFill>
+                  <a:srgbClr val="013B43"/>
+                </a:solidFill>
+                <a:latin typeface="Bahnschrift Light Condensed" panose="020B0502040204020203" pitchFamily="34" charset="0"/>
+              </a:rPr>
+              <a:t>Evolution vs previous year</a:t>
+            </a:r>
+          </a:p>
+        </p:txBody>
+      </p:sp>
+      <p:sp>
+        <p:nvSpPr>
+          <p:cNvPr id="47" name="Rectangle: Diagonal Corners Snipped 46">
+            <a:extLst>
+              <a:ext uri="{FF2B5EF4-FFF2-40B4-BE49-F238E27FC236}">
+                <a16:creationId xmlns:a16="http://schemas.microsoft.com/office/drawing/2014/main" id="{C79592B2-5261-644C-250D-CE38184C08DA}"/>
+              </a:ext>
+            </a:extLst>
+          </p:cNvPr>
+          <p:cNvSpPr/>
+          <p:nvPr/>
+        </p:nvSpPr>
+        <p:spPr>
+          <a:xfrm>
+            <a:off x="4847177" y="6543962"/>
+            <a:ext cx="4503894" cy="513543"/>
+          </a:xfrm>
+          <a:prstGeom prst="snip2DiagRect">
+            <a:avLst>
+              <a:gd name="adj1" fmla="val 0"/>
+              <a:gd name="adj2" fmla="val 16667"/>
+            </a:avLst>
+          </a:prstGeom>
+          <a:noFill/>
+        </p:spPr>
+        <p:txBody>
+          <a:bodyPr wrap="square" rtlCol="0">
+            <a:spAutoFit/>
+          </a:bodyPr>
+          <a:lstStyle/>
+          <a:p>
+            <a:pPr>
+              <a:lnSpc>
+                <a:spcPct val="150000"/>
+              </a:lnSpc>
+            </a:pPr>
+            <a:r>
+              <a:rPr lang="en-US" sz="1650" b="1" dirty="0">
+                <a:solidFill>
+                  <a:srgbClr val="013B43"/>
+                </a:solidFill>
+                <a:latin typeface="Bahnschrift Light Condensed" panose="020B0502040204020203" pitchFamily="34" charset="0"/>
+              </a:rPr>
+              <a:t>Overall statistics of individual advertisers</a:t>
+            </a:r>
+          </a:p>
+        </p:txBody>
+      </p:sp>
+      <p:sp>
+        <p:nvSpPr>
+          <p:cNvPr id="48" name="Rectangle: Diagonal Corners Snipped 47">
+            <a:extLst>
+              <a:ext uri="{FF2B5EF4-FFF2-40B4-BE49-F238E27FC236}">
+                <a16:creationId xmlns:a16="http://schemas.microsoft.com/office/drawing/2014/main" id="{17BB8372-CDC7-0D08-9285-E662548DF57B}"/>
+              </a:ext>
+            </a:extLst>
+          </p:cNvPr>
+          <p:cNvSpPr/>
+          <p:nvPr/>
+        </p:nvSpPr>
+        <p:spPr>
+          <a:xfrm>
+            <a:off x="1212098" y="51323"/>
+            <a:ext cx="3658025" cy="513543"/>
+          </a:xfrm>
+          <a:prstGeom prst="snip2DiagRect">
+            <a:avLst>
+              <a:gd name="adj1" fmla="val 0"/>
+              <a:gd name="adj2" fmla="val 16667"/>
+            </a:avLst>
+          </a:prstGeom>
+          <a:noFill/>
+        </p:spPr>
+        <p:txBody>
+          <a:bodyPr wrap="square" rtlCol="0">
+            <a:spAutoFit/>
+          </a:bodyPr>
+          <a:lstStyle/>
+          <a:p>
+            <a:pPr>
+              <a:lnSpc>
+                <a:spcPct val="150000"/>
+              </a:lnSpc>
+            </a:pPr>
+            <a:r>
+              <a:rPr lang="en-US" sz="1650" b="1" dirty="0">
+                <a:solidFill>
+                  <a:srgbClr val="013B43"/>
+                </a:solidFill>
+                <a:latin typeface="Bahnschrift Light Condensed" panose="020B0502040204020203" pitchFamily="34" charset="0"/>
+              </a:rPr>
+              <a:t>Political Advertisement in the Czech Republic</a:t>
+            </a:r>
+          </a:p>
+        </p:txBody>
+      </p:sp>
+      <p:sp>
+        <p:nvSpPr>
+          <p:cNvPr id="59" name="Rectangle: Diagonal Corners Snipped 58">
+            <a:extLst>
+              <a:ext uri="{FF2B5EF4-FFF2-40B4-BE49-F238E27FC236}">
+                <a16:creationId xmlns:a16="http://schemas.microsoft.com/office/drawing/2014/main" id="{82EE71DA-8951-796E-6E94-D11F26CFAB86}"/>
+              </a:ext>
+            </a:extLst>
+          </p:cNvPr>
+          <p:cNvSpPr/>
+          <p:nvPr/>
+        </p:nvSpPr>
+        <p:spPr>
+          <a:xfrm>
+            <a:off x="1410610" y="462140"/>
+            <a:ext cx="3384557" cy="1383832"/>
+          </a:xfrm>
+          <a:prstGeom prst="snip2DiagRect">
+            <a:avLst>
+              <a:gd name="adj1" fmla="val 0"/>
+              <a:gd name="adj2" fmla="val 16667"/>
+            </a:avLst>
+          </a:prstGeom>
+          <a:noFill/>
+        </p:spPr>
+        <p:txBody>
+          <a:bodyPr wrap="square" rtlCol="0">
+            <a:spAutoFit/>
+          </a:bodyPr>
+          <a:lstStyle/>
+          <a:p>
+            <a:pPr>
+              <a:lnSpc>
+                <a:spcPts val="1650"/>
+              </a:lnSpc>
+            </a:pPr>
+            <a:r>
+              <a:rPr lang="en-US" sz="1200" dirty="0">
+                <a:solidFill>
+                  <a:srgbClr val="013B43"/>
+                </a:solidFill>
+                <a:latin typeface="Bahnschrift Light Condensed" panose="020B0502040204020203" pitchFamily="34" charset="0"/>
+              </a:rPr>
+              <a:t>When ads about social issues, elections or politics appear across Meta technologies, they're required to include information about who paid for them. Additional transparency about spend, reach and funding entities </a:t>
+            </a:r>
+          </a:p>
+        </p:txBody>
+      </p:sp>
+      <p:cxnSp>
+        <p:nvCxnSpPr>
+          <p:cNvPr id="60" name="Straight Connector 59">
+            <a:extLst>
+              <a:ext uri="{FF2B5EF4-FFF2-40B4-BE49-F238E27FC236}">
+                <a16:creationId xmlns:a16="http://schemas.microsoft.com/office/drawing/2014/main" id="{17935399-D975-403C-5C79-F81C023509AB}"/>
+              </a:ext>
+            </a:extLst>
+          </p:cNvPr>
+          <p:cNvCxnSpPr>
+            <a:cxnSpLocks/>
+          </p:cNvCxnSpPr>
+          <p:nvPr/>
+        </p:nvCxnSpPr>
+        <p:spPr>
+          <a:xfrm>
+            <a:off x="8608569" y="3683168"/>
+            <a:ext cx="411957" cy="0"/>
+          </a:xfrm>
+          <a:prstGeom prst="line">
+            <a:avLst/>
+          </a:prstGeom>
+          <a:ln w="50800" cmpd="sng">
+            <a:solidFill>
+              <a:srgbClr val="002060"/>
+            </a:solidFill>
+            <a:round/>
+          </a:ln>
+        </p:spPr>
+        <p:style>
+          <a:lnRef idx="1">
+            <a:schemeClr val="accent1"/>
+          </a:lnRef>
+          <a:fillRef idx="0">
+            <a:schemeClr val="accent1"/>
+          </a:fillRef>
+          <a:effectRef idx="0">
+            <a:schemeClr val="accent1"/>
+          </a:effectRef>
+          <a:fontRef idx="minor">
+            <a:schemeClr val="tx1"/>
+          </a:fontRef>
+        </p:style>
+      </p:cxnSp>
+      <p:sp>
+        <p:nvSpPr>
+          <p:cNvPr id="61" name="Rectangle: Diagonal Corners Snipped 60">
+            <a:extLst>
+              <a:ext uri="{FF2B5EF4-FFF2-40B4-BE49-F238E27FC236}">
+                <a16:creationId xmlns:a16="http://schemas.microsoft.com/office/drawing/2014/main" id="{5E1B1B4F-3CFE-6596-0A7B-8D9C5E408651}"/>
+              </a:ext>
+            </a:extLst>
+          </p:cNvPr>
+          <p:cNvSpPr/>
+          <p:nvPr/>
+        </p:nvSpPr>
+        <p:spPr>
+          <a:xfrm>
+            <a:off x="8674703" y="3410696"/>
+            <a:ext cx="1423832" cy="558194"/>
           </a:xfrm>
           <a:prstGeom prst="snip2DiagRect">
             <a:avLst>
@@ -4935,27 +5662,121 @@
               </a:lnSpc>
             </a:pPr>
             <a:r>
-              <a:rPr lang="en-US" sz="1350" dirty="0">
+              <a:rPr lang="en-US" sz="1200" dirty="0">
                 <a:solidFill>
                   <a:srgbClr val="013B43"/>
                 </a:solidFill>
               </a:rPr>
-              <a:t>Spending</a:t>
-            </a:r>
-            <a:endParaRPr lang="en-US" sz="1200" dirty="0">
-              <a:solidFill>
-                <a:srgbClr val="013B43"/>
-              </a:solidFill>
-            </a:endParaRPr>
-          </a:p>
-        </p:txBody>
-      </p:sp>
-      <p:sp>
-        <p:nvSpPr>
-          <p:cNvPr id="19" name="Oval 18">
+              <a:t>80/20 line</a:t>
+            </a:r>
+          </a:p>
+        </p:txBody>
+      </p:sp>
+      <p:sp>
+        <p:nvSpPr>
+          <p:cNvPr id="4" name="TextBox 3">
             <a:extLst>
               <a:ext uri="{FF2B5EF4-FFF2-40B4-BE49-F238E27FC236}">
-                <a16:creationId xmlns:a16="http://schemas.microsoft.com/office/drawing/2014/main" id="{B4501BD1-20A0-B596-3225-C161CB452AA4}"/>
+                <a16:creationId xmlns:a16="http://schemas.microsoft.com/office/drawing/2014/main" id="{F99390B9-1302-C2DF-1B9F-5B751AAF8685}"/>
+              </a:ext>
+            </a:extLst>
+          </p:cNvPr>
+          <p:cNvSpPr txBox="1"/>
+          <p:nvPr/>
+        </p:nvSpPr>
+        <p:spPr>
+          <a:xfrm>
+            <a:off x="8814548" y="6616269"/>
+            <a:ext cx="4585253" cy="367408"/>
+          </a:xfrm>
+          <a:prstGeom prst="rect">
+            <a:avLst/>
+          </a:prstGeom>
+          <a:noFill/>
+        </p:spPr>
+        <p:txBody>
+          <a:bodyPr wrap="square" rtlCol="0">
+            <a:spAutoFit/>
+          </a:bodyPr>
+          <a:lstStyle/>
+          <a:p>
+            <a:pPr>
+              <a:lnSpc>
+                <a:spcPct val="150000"/>
+              </a:lnSpc>
+            </a:pPr>
+            <a:r>
+              <a:rPr lang="en-US" sz="1350" b="1" dirty="0">
+                <a:solidFill>
+                  <a:srgbClr val="013B43"/>
+                </a:solidFill>
+                <a:latin typeface="Bahnschrift Light Condensed" panose="020B0502040204020203" pitchFamily="34" charset="0"/>
+              </a:rPr>
+              <a:t>Reach Ratio </a:t>
+            </a:r>
+            <a:r>
+              <a:rPr lang="en-US" sz="1350" dirty="0">
+                <a:solidFill>
+                  <a:srgbClr val="013B43"/>
+                </a:solidFill>
+                <a:latin typeface="Bahnschrift Light Condensed" panose="020B0502040204020203" pitchFamily="34" charset="0"/>
+              </a:rPr>
+              <a:t>= The average number of times an ad is shown to an individual</a:t>
+            </a:r>
+          </a:p>
+        </p:txBody>
+      </p:sp>
+      <p:sp>
+        <p:nvSpPr>
+          <p:cNvPr id="5" name="TextBox 4">
+            <a:extLst>
+              <a:ext uri="{FF2B5EF4-FFF2-40B4-BE49-F238E27FC236}">
+                <a16:creationId xmlns:a16="http://schemas.microsoft.com/office/drawing/2014/main" id="{F1A542D5-FA62-098A-57A7-D9C88E5EE82C}"/>
+              </a:ext>
+            </a:extLst>
+          </p:cNvPr>
+          <p:cNvSpPr txBox="1"/>
+          <p:nvPr/>
+        </p:nvSpPr>
+        <p:spPr>
+          <a:xfrm>
+            <a:off x="13598404" y="6616269"/>
+            <a:ext cx="4585253" cy="364652"/>
+          </a:xfrm>
+          <a:prstGeom prst="rect">
+            <a:avLst/>
+          </a:prstGeom>
+          <a:noFill/>
+        </p:spPr>
+        <p:txBody>
+          <a:bodyPr wrap="square" rtlCol="0">
+            <a:spAutoFit/>
+          </a:bodyPr>
+          <a:lstStyle/>
+          <a:p>
+            <a:pPr>
+              <a:lnSpc>
+                <a:spcPct val="150000"/>
+              </a:lnSpc>
+            </a:pPr>
+            <a:r>
+              <a:rPr lang="en-US" sz="1350" dirty="0">
+                <a:solidFill>
+                  <a:srgbClr val="013B43"/>
+                </a:solidFill>
+                <a:latin typeface="Bahnschrift Light Condensed" panose="020B0502040204020203" pitchFamily="34" charset="0"/>
+              </a:rPr>
+              <a:t>📈= The value is above average               📉 = The value is below average </a:t>
+            </a:r>
+          </a:p>
+        </p:txBody>
+      </p:sp>
+      <p:sp>
+        <p:nvSpPr>
+          <p:cNvPr id="6" name="Rectangle: Diagonal Corners Snipped 5">
+            <a:extLst>
+              <a:ext uri="{FF2B5EF4-FFF2-40B4-BE49-F238E27FC236}">
+                <a16:creationId xmlns:a16="http://schemas.microsoft.com/office/drawing/2014/main" id="{6E9791C2-5324-5838-FC54-5B08C959289A}"/>
               </a:ext>
             </a:extLst>
           </p:cNvPr>
@@ -4964,15 +5785,218 @@
         </p:nvSpPr>
         <p:spPr>
           <a:xfrm>
-            <a:off x="9837660" y="6859553"/>
-            <a:ext cx="171450" cy="171450"/>
-          </a:xfrm>
-          <a:prstGeom prst="ellipse">
+            <a:off x="164694" y="5655525"/>
+            <a:ext cx="4503894" cy="513543"/>
+          </a:xfrm>
+          <a:prstGeom prst="snip2DiagRect">
+            <a:avLst>
+              <a:gd name="adj1" fmla="val 0"/>
+              <a:gd name="adj2" fmla="val 16667"/>
+            </a:avLst>
+          </a:prstGeom>
+          <a:noFill/>
+        </p:spPr>
+        <p:txBody>
+          <a:bodyPr wrap="square" rtlCol="0">
+            <a:spAutoFit/>
+          </a:bodyPr>
+          <a:lstStyle/>
+          <a:p>
+            <a:pPr>
+              <a:lnSpc>
+                <a:spcPct val="150000"/>
+              </a:lnSpc>
+            </a:pPr>
+            <a:r>
+              <a:rPr lang="en-US" sz="1650" b="1" dirty="0">
+                <a:solidFill>
+                  <a:srgbClr val="013B43"/>
+                </a:solidFill>
+                <a:latin typeface="Bahnschrift Light Condensed" panose="020B0502040204020203" pitchFamily="34" charset="0"/>
+              </a:rPr>
+              <a:t>Who are the top 10 performers in each domain</a:t>
+            </a:r>
+          </a:p>
+        </p:txBody>
+      </p:sp>
+    </p:spTree>
+    <p:extLst>
+      <p:ext uri="{BB962C8B-B14F-4D97-AF65-F5344CB8AC3E}">
+        <p14:creationId xmlns:p14="http://schemas.microsoft.com/office/powerpoint/2010/main" val="1070696718"/>
+      </p:ext>
+    </p:extLst>
+  </p:cSld>
+  <p:clrMapOvr>
+    <a:masterClrMapping/>
+  </p:clrMapOvr>
+</p:sld>
+</file>
+
+<file path=ppt/slides/slide3.xml><?xml version="1.0" encoding="utf-8"?>
+<p:sld xmlns:a="http://schemas.openxmlformats.org/drawingml/2006/main" xmlns:r="http://schemas.openxmlformats.org/officeDocument/2006/relationships" xmlns:p="http://schemas.openxmlformats.org/presentationml/2006/main">
+  <p:cSld>
+    <p:spTree>
+      <p:nvGrpSpPr>
+        <p:cNvPr id="1" name=""/>
+        <p:cNvGrpSpPr/>
+        <p:nvPr/>
+      </p:nvGrpSpPr>
+      <p:grpSpPr>
+        <a:xfrm>
+          <a:off x="0" y="0"/>
+          <a:ext cx="0" cy="0"/>
+          <a:chOff x="0" y="0"/>
+          <a:chExt cx="0" cy="0"/>
+        </a:xfrm>
+      </p:grpSpPr>
+      <p:sp>
+        <p:nvSpPr>
+          <p:cNvPr id="15" name="TextBox 14">
+            <a:extLst>
+              <a:ext uri="{FF2B5EF4-FFF2-40B4-BE49-F238E27FC236}">
+                <a16:creationId xmlns:a16="http://schemas.microsoft.com/office/drawing/2014/main" id="{52915AED-4804-89D8-B91E-B67E39694A0E}"/>
+              </a:ext>
+            </a:extLst>
+          </p:cNvPr>
+          <p:cNvSpPr txBox="1"/>
+          <p:nvPr/>
+        </p:nvSpPr>
+        <p:spPr>
+          <a:xfrm>
+            <a:off x="9973210" y="842339"/>
+            <a:ext cx="574400" cy="2064027"/>
+          </a:xfrm>
+          <a:prstGeom prst="rect">
             <a:avLst/>
           </a:prstGeom>
+          <a:noFill/>
+        </p:spPr>
+        <p:txBody>
+          <a:bodyPr wrap="square" rtlCol="0">
+            <a:spAutoFit/>
+          </a:bodyPr>
+          <a:lstStyle/>
+          <a:p>
+            <a:pPr>
+              <a:lnSpc>
+                <a:spcPct val="150000"/>
+              </a:lnSpc>
+            </a:pPr>
+            <a:r>
+              <a:rPr lang="en-US" sz="1350" b="1" dirty="0">
+                <a:solidFill>
+                  <a:srgbClr val="352B5B"/>
+                </a:solidFill>
+                <a:latin typeface="Bahnschrift Light Condensed" panose="020B0502040204020203" pitchFamily="34" charset="0"/>
+              </a:rPr>
+              <a:t>MAX</a:t>
+            </a:r>
+          </a:p>
+          <a:p>
+            <a:pPr>
+              <a:lnSpc>
+                <a:spcPct val="150000"/>
+              </a:lnSpc>
+            </a:pPr>
+            <a:br>
+              <a:rPr lang="en-US" sz="1350" b="1" dirty="0">
+                <a:solidFill>
+                  <a:srgbClr val="352B5B"/>
+                </a:solidFill>
+                <a:latin typeface="Bahnschrift Light Condensed" panose="020B0502040204020203" pitchFamily="34" charset="0"/>
+              </a:rPr>
+            </a:br>
+            <a:br>
+              <a:rPr lang="en-US" sz="1350" b="1" dirty="0">
+                <a:solidFill>
+                  <a:srgbClr val="352B5B"/>
+                </a:solidFill>
+                <a:latin typeface="Bahnschrift Light Condensed" panose="020B0502040204020203" pitchFamily="34" charset="0"/>
+              </a:rPr>
+            </a:br>
+            <a:endParaRPr lang="en-US" sz="900" b="1" dirty="0">
+              <a:solidFill>
+                <a:srgbClr val="352B5B"/>
+              </a:solidFill>
+              <a:latin typeface="Bahnschrift Light Condensed" panose="020B0502040204020203" pitchFamily="34" charset="0"/>
+            </a:endParaRPr>
+          </a:p>
+          <a:p>
+            <a:pPr>
+              <a:lnSpc>
+                <a:spcPct val="150000"/>
+              </a:lnSpc>
+            </a:pPr>
+            <a:endParaRPr lang="en-US" sz="2400" b="1" dirty="0">
+              <a:solidFill>
+                <a:srgbClr val="352B5B"/>
+              </a:solidFill>
+              <a:latin typeface="Bahnschrift Light Condensed" panose="020B0502040204020203" pitchFamily="34" charset="0"/>
+            </a:endParaRPr>
+          </a:p>
+          <a:p>
+            <a:pPr>
+              <a:lnSpc>
+                <a:spcPct val="150000"/>
+              </a:lnSpc>
+            </a:pPr>
+            <a:r>
+              <a:rPr lang="en-US" sz="450" b="1" dirty="0">
+                <a:solidFill>
+                  <a:srgbClr val="352B5B"/>
+                </a:solidFill>
+                <a:latin typeface="Bahnschrift Light Condensed" panose="020B0502040204020203" pitchFamily="34" charset="0"/>
+              </a:rPr>
+              <a:t> </a:t>
+            </a:r>
+            <a:r>
+              <a:rPr lang="en-US" sz="1350" b="1" dirty="0">
+                <a:solidFill>
+                  <a:srgbClr val="352B5B"/>
+                </a:solidFill>
+                <a:latin typeface="Bahnschrift Light Condensed" panose="020B0502040204020203" pitchFamily="34" charset="0"/>
+              </a:rPr>
+              <a:t>MIN</a:t>
+            </a:r>
+            <a:endParaRPr lang="en-US" sz="1350" dirty="0">
+              <a:solidFill>
+                <a:srgbClr val="352B5B"/>
+              </a:solidFill>
+              <a:latin typeface="Bahnschrift Light Condensed" panose="020B0502040204020203" pitchFamily="34" charset="0"/>
+            </a:endParaRPr>
+          </a:p>
+        </p:txBody>
+      </p:sp>
+      <p:sp>
+        <p:nvSpPr>
+          <p:cNvPr id="6" name="Rectangle: Rounded Corners 5">
+            <a:extLst>
+              <a:ext uri="{FF2B5EF4-FFF2-40B4-BE49-F238E27FC236}">
+                <a16:creationId xmlns:a16="http://schemas.microsoft.com/office/drawing/2014/main" id="{E98DE96F-D0AD-7E2F-8FBD-3852C23C9EA4}"/>
+              </a:ext>
+            </a:extLst>
+          </p:cNvPr>
+          <p:cNvSpPr/>
+          <p:nvPr/>
+        </p:nvSpPr>
+        <p:spPr>
+          <a:xfrm>
+            <a:off x="11155680" y="6859553"/>
+            <a:ext cx="6987540" cy="3327751"/>
+          </a:xfrm>
+          <a:prstGeom prst="roundRect">
+            <a:avLst>
+              <a:gd name="adj" fmla="val 7212"/>
+            </a:avLst>
+          </a:prstGeom>
           <a:solidFill>
-            <a:srgbClr val="352B5B"/>
+            <a:srgbClr val="FCECDC"/>
           </a:solidFill>
+          <a:ln>
+            <a:solidFill>
+              <a:srgbClr val="FCECDC"/>
+            </a:solidFill>
+          </a:ln>
         </p:spPr>
         <p:style>
           <a:lnRef idx="2">
@@ -5001,6 +6025,286 @@
       </p:sp>
       <p:sp>
         <p:nvSpPr>
+          <p:cNvPr id="7" name="Rectangle: Rounded Corners 6">
+            <a:extLst>
+              <a:ext uri="{FF2B5EF4-FFF2-40B4-BE49-F238E27FC236}">
+                <a16:creationId xmlns:a16="http://schemas.microsoft.com/office/drawing/2014/main" id="{5DBED00C-9DC5-C17B-07A3-E57AC74BEAC7}"/>
+              </a:ext>
+            </a:extLst>
+          </p:cNvPr>
+          <p:cNvSpPr/>
+          <p:nvPr/>
+        </p:nvSpPr>
+        <p:spPr>
+          <a:xfrm>
+            <a:off x="5180811" y="6859553"/>
+            <a:ext cx="5853093" cy="3327751"/>
+          </a:xfrm>
+          <a:prstGeom prst="roundRect">
+            <a:avLst>
+              <a:gd name="adj" fmla="val 7212"/>
+            </a:avLst>
+          </a:prstGeom>
+          <a:solidFill>
+            <a:srgbClr val="FCECDC"/>
+          </a:solidFill>
+          <a:ln>
+            <a:solidFill>
+              <a:srgbClr val="FCECDC"/>
+            </a:solidFill>
+          </a:ln>
+        </p:spPr>
+        <p:style>
+          <a:lnRef idx="2">
+            <a:schemeClr val="accent1">
+              <a:shade val="15000"/>
+            </a:schemeClr>
+          </a:lnRef>
+          <a:fillRef idx="1">
+            <a:schemeClr val="accent1"/>
+          </a:fillRef>
+          <a:effectRef idx="0">
+            <a:schemeClr val="accent1"/>
+          </a:effectRef>
+          <a:fontRef idx="minor">
+            <a:schemeClr val="lt1"/>
+          </a:fontRef>
+        </p:style>
+        <p:txBody>
+          <a:bodyPr rtlCol="0" anchor="ctr"/>
+          <a:lstStyle/>
+          <a:p>
+            <a:pPr algn="ctr"/>
+            <a:endParaRPr lang="en-US" sz="4050" dirty="0"/>
+          </a:p>
+        </p:txBody>
+      </p:sp>
+      <p:sp>
+        <p:nvSpPr>
+          <p:cNvPr id="8" name="Rectangle: Rounded Corners 7">
+            <a:extLst>
+              <a:ext uri="{FF2B5EF4-FFF2-40B4-BE49-F238E27FC236}">
+                <a16:creationId xmlns:a16="http://schemas.microsoft.com/office/drawing/2014/main" id="{3B0FCFD4-2F8A-2186-FC18-8B62D733406C}"/>
+              </a:ext>
+            </a:extLst>
+          </p:cNvPr>
+          <p:cNvSpPr/>
+          <p:nvPr/>
+        </p:nvSpPr>
+        <p:spPr>
+          <a:xfrm>
+            <a:off x="144780" y="2647951"/>
+            <a:ext cx="4930140" cy="7539354"/>
+          </a:xfrm>
+          <a:prstGeom prst="roundRect">
+            <a:avLst>
+              <a:gd name="adj" fmla="val 7212"/>
+            </a:avLst>
+          </a:prstGeom>
+          <a:solidFill>
+            <a:srgbClr val="FCECDC"/>
+          </a:solidFill>
+          <a:ln>
+            <a:solidFill>
+              <a:srgbClr val="FCECDC"/>
+            </a:solidFill>
+          </a:ln>
+        </p:spPr>
+        <p:style>
+          <a:lnRef idx="2">
+            <a:schemeClr val="accent1">
+              <a:shade val="15000"/>
+            </a:schemeClr>
+          </a:lnRef>
+          <a:fillRef idx="1">
+            <a:schemeClr val="accent1"/>
+          </a:fillRef>
+          <a:effectRef idx="0">
+            <a:schemeClr val="accent1"/>
+          </a:effectRef>
+          <a:fontRef idx="minor">
+            <a:schemeClr val="lt1"/>
+          </a:fontRef>
+        </p:style>
+        <p:txBody>
+          <a:bodyPr rtlCol="0" anchor="ctr"/>
+          <a:lstStyle/>
+          <a:p>
+            <a:pPr algn="ctr"/>
+            <a:endParaRPr lang="en-US" sz="4050" dirty="0"/>
+          </a:p>
+        </p:txBody>
+      </p:sp>
+      <p:sp>
+        <p:nvSpPr>
+          <p:cNvPr id="10" name="Rectangle: Rounded Corners 9">
+            <a:extLst>
+              <a:ext uri="{FF2B5EF4-FFF2-40B4-BE49-F238E27FC236}">
+                <a16:creationId xmlns:a16="http://schemas.microsoft.com/office/drawing/2014/main" id="{BD289AFD-1444-1CB5-8DD3-C940A2EBA125}"/>
+              </a:ext>
+            </a:extLst>
+          </p:cNvPr>
+          <p:cNvSpPr/>
+          <p:nvPr/>
+        </p:nvSpPr>
+        <p:spPr>
+          <a:xfrm>
+            <a:off x="5180812" y="3719565"/>
+            <a:ext cx="4370573" cy="2975508"/>
+          </a:xfrm>
+          <a:prstGeom prst="roundRect">
+            <a:avLst>
+              <a:gd name="adj" fmla="val 7212"/>
+            </a:avLst>
+          </a:prstGeom>
+          <a:solidFill>
+            <a:srgbClr val="FCECDC"/>
+          </a:solidFill>
+          <a:ln>
+            <a:solidFill>
+              <a:srgbClr val="FCECDC"/>
+            </a:solidFill>
+          </a:ln>
+        </p:spPr>
+        <p:style>
+          <a:lnRef idx="2">
+            <a:schemeClr val="accent1">
+              <a:shade val="15000"/>
+            </a:schemeClr>
+          </a:lnRef>
+          <a:fillRef idx="1">
+            <a:schemeClr val="accent1"/>
+          </a:fillRef>
+          <a:effectRef idx="0">
+            <a:schemeClr val="accent1"/>
+          </a:effectRef>
+          <a:fontRef idx="minor">
+            <a:schemeClr val="lt1"/>
+          </a:fontRef>
+        </p:style>
+        <p:txBody>
+          <a:bodyPr rtlCol="0" anchor="ctr"/>
+          <a:lstStyle/>
+          <a:p>
+            <a:pPr algn="ctr"/>
+            <a:endParaRPr lang="en-US" sz="4050" dirty="0"/>
+          </a:p>
+        </p:txBody>
+      </p:sp>
+      <p:sp>
+        <p:nvSpPr>
+          <p:cNvPr id="12" name="Rectangle: Rounded Corners 11">
+            <a:extLst>
+              <a:ext uri="{FF2B5EF4-FFF2-40B4-BE49-F238E27FC236}">
+                <a16:creationId xmlns:a16="http://schemas.microsoft.com/office/drawing/2014/main" id="{4B101A0F-FA4E-CD34-F6D4-684FCE7D07C9}"/>
+              </a:ext>
+            </a:extLst>
+          </p:cNvPr>
+          <p:cNvSpPr/>
+          <p:nvPr/>
+        </p:nvSpPr>
+        <p:spPr>
+          <a:xfrm>
+            <a:off x="9677400" y="3719565"/>
+            <a:ext cx="8465820" cy="2975508"/>
+          </a:xfrm>
+          <a:prstGeom prst="roundRect">
+            <a:avLst>
+              <a:gd name="adj" fmla="val 7212"/>
+            </a:avLst>
+          </a:prstGeom>
+          <a:solidFill>
+            <a:srgbClr val="FCECDC"/>
+          </a:solidFill>
+          <a:ln>
+            <a:solidFill>
+              <a:srgbClr val="FCECDC"/>
+            </a:solidFill>
+          </a:ln>
+        </p:spPr>
+        <p:style>
+          <a:lnRef idx="2">
+            <a:schemeClr val="accent1">
+              <a:shade val="15000"/>
+            </a:schemeClr>
+          </a:lnRef>
+          <a:fillRef idx="1">
+            <a:schemeClr val="accent1"/>
+          </a:fillRef>
+          <a:effectRef idx="0">
+            <a:schemeClr val="accent1"/>
+          </a:effectRef>
+          <a:fontRef idx="minor">
+            <a:schemeClr val="lt1"/>
+          </a:fontRef>
+        </p:style>
+        <p:txBody>
+          <a:bodyPr rtlCol="0" anchor="ctr"/>
+          <a:lstStyle/>
+          <a:p>
+            <a:pPr algn="ctr"/>
+            <a:endParaRPr lang="en-US" sz="4050" dirty="0"/>
+          </a:p>
+        </p:txBody>
+      </p:sp>
+      <p:sp>
+        <p:nvSpPr>
+          <p:cNvPr id="13" name="Rectangle: Rounded Corners 12">
+            <a:extLst>
+              <a:ext uri="{FF2B5EF4-FFF2-40B4-BE49-F238E27FC236}">
+                <a16:creationId xmlns:a16="http://schemas.microsoft.com/office/drawing/2014/main" id="{B8BDB478-826F-25B9-16D5-EAF0509915DA}"/>
+              </a:ext>
+            </a:extLst>
+          </p:cNvPr>
+          <p:cNvSpPr/>
+          <p:nvPr/>
+        </p:nvSpPr>
+        <p:spPr>
+          <a:xfrm>
+            <a:off x="9693209" y="99697"/>
+            <a:ext cx="8465820" cy="3455388"/>
+          </a:xfrm>
+          <a:prstGeom prst="roundRect">
+            <a:avLst>
+              <a:gd name="adj" fmla="val 7212"/>
+            </a:avLst>
+          </a:prstGeom>
+          <a:solidFill>
+            <a:srgbClr val="FCECDC"/>
+          </a:solidFill>
+          <a:ln>
+            <a:solidFill>
+              <a:srgbClr val="FCECDC"/>
+            </a:solidFill>
+          </a:ln>
+        </p:spPr>
+        <p:style>
+          <a:lnRef idx="2">
+            <a:schemeClr val="accent1">
+              <a:shade val="15000"/>
+            </a:schemeClr>
+          </a:lnRef>
+          <a:fillRef idx="1">
+            <a:schemeClr val="accent1"/>
+          </a:fillRef>
+          <a:effectRef idx="0">
+            <a:schemeClr val="accent1"/>
+          </a:effectRef>
+          <a:fontRef idx="minor">
+            <a:schemeClr val="lt1"/>
+          </a:fontRef>
+        </p:style>
+        <p:txBody>
+          <a:bodyPr rtlCol="0" anchor="ctr"/>
+          <a:lstStyle/>
+          <a:p>
+            <a:pPr algn="ctr"/>
+            <a:endParaRPr lang="en-US" sz="4050" dirty="0"/>
+          </a:p>
+        </p:txBody>
+      </p:sp>
+      <p:sp>
+        <p:nvSpPr>
           <p:cNvPr id="30" name="Rectangle: Diagonal Corners Snipped 29">
             <a:extLst>
               <a:ext uri="{FF2B5EF4-FFF2-40B4-BE49-F238E27FC236}">
@@ -5013,7 +6317,7 @@
         </p:nvSpPr>
         <p:spPr>
           <a:xfrm>
-            <a:off x="11261571" y="6589273"/>
+            <a:off x="11261571" y="6784618"/>
             <a:ext cx="4503894" cy="513543"/>
           </a:xfrm>
           <a:prstGeom prst="snip2DiagRect">
@@ -5061,7 +6365,7 @@
         </p:nvSpPr>
         <p:spPr>
           <a:xfrm>
-            <a:off x="15721483" y="6662698"/>
+            <a:off x="15721483" y="6815098"/>
             <a:ext cx="1423832" cy="497468"/>
           </a:xfrm>
           <a:prstGeom prst="snip2DiagRect">
@@ -5138,7 +6442,7 @@
         </p:nvSpPr>
         <p:spPr>
           <a:xfrm>
-            <a:off x="15887241" y="6859553"/>
+            <a:off x="15887241" y="7011953"/>
             <a:ext cx="171450" cy="171450"/>
           </a:xfrm>
           <a:prstGeom prst="ellipse">
@@ -5192,7 +6496,7 @@
         </p:nvSpPr>
         <p:spPr>
           <a:xfrm>
-            <a:off x="16769416" y="6662698"/>
+            <a:off x="16769416" y="6815098"/>
             <a:ext cx="1423832" cy="497468"/>
           </a:xfrm>
           <a:prstGeom prst="snip2DiagRect">
@@ -5269,7 +6573,7 @@
         </p:nvSpPr>
         <p:spPr>
           <a:xfrm>
-            <a:off x="16959663" y="6859553"/>
+            <a:off x="16959663" y="7011953"/>
             <a:ext cx="171450" cy="171450"/>
           </a:xfrm>
           <a:prstGeom prst="ellipse">
@@ -5323,8 +6627,8 @@
         </p:nvSpPr>
         <p:spPr>
           <a:xfrm>
-            <a:off x="144780" y="99698"/>
-            <a:ext cx="9342120" cy="3184602"/>
+            <a:off x="144780" y="99697"/>
+            <a:ext cx="9406605" cy="3455388"/>
           </a:xfrm>
           <a:prstGeom prst="roundRect">
             <a:avLst>
@@ -5361,153 +6665,13 @@
           <a:lstStyle/>
           <a:p>
             <a:r>
-              <a:rPr lang="en-US" sz="2100" dirty="0">
+              <a:rPr lang="en-US" sz="2100" b="1" dirty="0">
                 <a:solidFill>
                   <a:srgbClr val="013B43"/>
                 </a:solidFill>
                 <a:latin typeface="Bahnschrift Light Condensed" panose="020B0502040204020203" pitchFamily="34" charset="0"/>
               </a:rPr>
               <a:t>Select an advertising page below:</a:t>
-            </a:r>
-          </a:p>
-        </p:txBody>
-      </p:sp>
-      <p:sp>
-        <p:nvSpPr>
-          <p:cNvPr id="3" name="Rectangle: Diagonal Corners Rounded 2">
-            <a:extLst>
-              <a:ext uri="{FF2B5EF4-FFF2-40B4-BE49-F238E27FC236}">
-                <a16:creationId xmlns:a16="http://schemas.microsoft.com/office/drawing/2014/main" id="{D27197CE-40A4-8A0B-B326-8F7453128D21}"/>
-              </a:ext>
-            </a:extLst>
-          </p:cNvPr>
-          <p:cNvSpPr/>
-          <p:nvPr/>
-        </p:nvSpPr>
-        <p:spPr>
-          <a:xfrm>
-            <a:off x="4826691" y="80967"/>
-            <a:ext cx="4672116" cy="1338258"/>
-          </a:xfrm>
-          <a:prstGeom prst="round2DiagRect">
-            <a:avLst>
-              <a:gd name="adj1" fmla="val 0"/>
-              <a:gd name="adj2" fmla="val 13971"/>
-            </a:avLst>
-          </a:prstGeom>
-          <a:solidFill>
-            <a:srgbClr val="FCECDC"/>
-          </a:solidFill>
-          <a:ln>
-            <a:solidFill>
-              <a:schemeClr val="bg1"/>
-            </a:solidFill>
-          </a:ln>
-        </p:spPr>
-        <p:style>
-          <a:lnRef idx="2">
-            <a:schemeClr val="accent1">
-              <a:shade val="15000"/>
-            </a:schemeClr>
-          </a:lnRef>
-          <a:fillRef idx="1">
-            <a:schemeClr val="accent1"/>
-          </a:fillRef>
-          <a:effectRef idx="0">
-            <a:schemeClr val="accent1"/>
-          </a:effectRef>
-          <a:fontRef idx="minor">
-            <a:schemeClr val="lt1"/>
-          </a:fontRef>
-        </p:style>
-        <p:txBody>
-          <a:bodyPr rtlCol="0" anchor="t"/>
-          <a:lstStyle/>
-          <a:p>
-            <a:endParaRPr lang="en-US" sz="4050" dirty="0">
-              <a:solidFill>
-                <a:srgbClr val="013B43"/>
-              </a:solidFill>
-              <a:latin typeface="Bahnschrift Light Condensed" panose="020B0502040204020203" pitchFamily="34" charset="0"/>
-            </a:endParaRPr>
-          </a:p>
-        </p:txBody>
-      </p:sp>
-      <p:sp>
-        <p:nvSpPr>
-          <p:cNvPr id="4" name="TextBox 3">
-            <a:extLst>
-              <a:ext uri="{FF2B5EF4-FFF2-40B4-BE49-F238E27FC236}">
-                <a16:creationId xmlns:a16="http://schemas.microsoft.com/office/drawing/2014/main" id="{C6FA23D8-EE6C-4B2C-5886-7580E461606C}"/>
-              </a:ext>
-            </a:extLst>
-          </p:cNvPr>
-          <p:cNvSpPr txBox="1"/>
-          <p:nvPr/>
-        </p:nvSpPr>
-        <p:spPr>
-          <a:xfrm>
-            <a:off x="4870123" y="607243"/>
-            <a:ext cx="4585253" cy="679032"/>
-          </a:xfrm>
-          <a:prstGeom prst="rect">
-            <a:avLst/>
-          </a:prstGeom>
-          <a:noFill/>
-        </p:spPr>
-        <p:txBody>
-          <a:bodyPr wrap="square" rtlCol="0">
-            <a:spAutoFit/>
-          </a:bodyPr>
-          <a:lstStyle/>
-          <a:p>
-            <a:pPr>
-              <a:lnSpc>
-                <a:spcPct val="150000"/>
-              </a:lnSpc>
-            </a:pPr>
-            <a:r>
-              <a:rPr lang="en-US" sz="1350" b="1" dirty="0">
-                <a:solidFill>
-                  <a:srgbClr val="013B43"/>
-                </a:solidFill>
-                <a:latin typeface="Bahnschrift Light Condensed" panose="020B0502040204020203" pitchFamily="34" charset="0"/>
-              </a:rPr>
-              <a:t>Impressions</a:t>
-            </a:r>
-            <a:r>
-              <a:rPr lang="en-US" sz="1350" dirty="0">
-                <a:solidFill>
-                  <a:srgbClr val="013B43"/>
-                </a:solidFill>
-                <a:latin typeface="Bahnschrift Light Condensed" panose="020B0502040204020203" pitchFamily="34" charset="0"/>
-              </a:rPr>
-              <a:t> = The number of times ads were displayed on screen.</a:t>
-            </a:r>
-          </a:p>
-          <a:p>
-            <a:pPr>
-              <a:lnSpc>
-                <a:spcPct val="150000"/>
-              </a:lnSpc>
-            </a:pPr>
-            <a:r>
-              <a:rPr lang="en-US" sz="1350" b="1" dirty="0">
-                <a:solidFill>
-                  <a:srgbClr val="013B43"/>
-                </a:solidFill>
-                <a:latin typeface="Bahnschrift Light Condensed" panose="020B0502040204020203" pitchFamily="34" charset="0"/>
-              </a:rPr>
-              <a:t>Spending</a:t>
-            </a:r>
-            <a:r>
-              <a:rPr lang="en-US" sz="1350" dirty="0">
-                <a:solidFill>
-                  <a:srgbClr val="013B43"/>
-                </a:solidFill>
-                <a:latin typeface="Bahnschrift Light Condensed" panose="020B0502040204020203" pitchFamily="34" charset="0"/>
-              </a:rPr>
-              <a:t> = The amount of money spent running the ad</a:t>
             </a:r>
           </a:p>
         </p:txBody>
@@ -5526,7 +6690,7 @@
         </p:nvSpPr>
         <p:spPr>
           <a:xfrm>
-            <a:off x="9864659" y="-24973"/>
+            <a:off x="9864659" y="34296"/>
             <a:ext cx="4585253" cy="430311"/>
           </a:xfrm>
           <a:prstGeom prst="rect">
@@ -5774,7 +6938,7 @@
         </p:nvSpPr>
         <p:spPr>
           <a:xfrm>
-            <a:off x="5354721" y="6589273"/>
+            <a:off x="5180811" y="6784618"/>
             <a:ext cx="4503894" cy="513543"/>
           </a:xfrm>
           <a:prstGeom prst="snip2DiagRect">
@@ -5804,102 +6968,6 @@
                 <a:latin typeface="Bahnschrift Light Condensed" panose="020B0502040204020203" pitchFamily="34" charset="0"/>
               </a:rPr>
               <a:t>Comparison between age groups</a:t>
-            </a:r>
-          </a:p>
-        </p:txBody>
-      </p:sp>
-      <p:sp>
-        <p:nvSpPr>
-          <p:cNvPr id="11" name="Rectangle: Diagonal Corners Snipped 10">
-            <a:extLst>
-              <a:ext uri="{FF2B5EF4-FFF2-40B4-BE49-F238E27FC236}">
-                <a16:creationId xmlns:a16="http://schemas.microsoft.com/office/drawing/2014/main" id="{60E5903A-3E3C-1B96-CC50-A4DA13CB49EB}"/>
-              </a:ext>
-            </a:extLst>
-          </p:cNvPr>
-          <p:cNvSpPr/>
-          <p:nvPr/>
-        </p:nvSpPr>
-        <p:spPr>
-          <a:xfrm>
-            <a:off x="149349" y="6589273"/>
-            <a:ext cx="4503894" cy="513543"/>
-          </a:xfrm>
-          <a:prstGeom prst="snip2DiagRect">
-            <a:avLst>
-              <a:gd name="adj1" fmla="val 0"/>
-              <a:gd name="adj2" fmla="val 16667"/>
-            </a:avLst>
-          </a:prstGeom>
-          <a:noFill/>
-        </p:spPr>
-        <p:txBody>
-          <a:bodyPr wrap="square" rtlCol="0">
-            <a:spAutoFit/>
-          </a:bodyPr>
-          <a:lstStyle/>
-          <a:p>
-            <a:pPr>
-              <a:lnSpc>
-                <a:spcPct val="150000"/>
-              </a:lnSpc>
-            </a:pPr>
-            <a:r>
-              <a:rPr lang="en-US" sz="1650" b="1" dirty="0">
-                <a:solidFill>
-                  <a:srgbClr val="013B43"/>
-                </a:solidFill>
-                <a:latin typeface="Bahnschrift Light Condensed" panose="020B0502040204020203" pitchFamily="34" charset="0"/>
-              </a:rPr>
-              <a:t>Year over Year comparison</a:t>
-            </a:r>
-          </a:p>
-        </p:txBody>
-      </p:sp>
-      <p:sp>
-        <p:nvSpPr>
-          <p:cNvPr id="14" name="Rectangle: Diagonal Corners Snipped 13">
-            <a:extLst>
-              <a:ext uri="{FF2B5EF4-FFF2-40B4-BE49-F238E27FC236}">
-                <a16:creationId xmlns:a16="http://schemas.microsoft.com/office/drawing/2014/main" id="{697EDD32-A9A5-3FC2-F945-DE46A04BCA88}"/>
-              </a:ext>
-            </a:extLst>
-          </p:cNvPr>
-          <p:cNvSpPr/>
-          <p:nvPr/>
-        </p:nvSpPr>
-        <p:spPr>
-          <a:xfrm>
-            <a:off x="149349" y="3352600"/>
-            <a:ext cx="4503894" cy="513543"/>
-          </a:xfrm>
-          <a:prstGeom prst="snip2DiagRect">
-            <a:avLst>
-              <a:gd name="adj1" fmla="val 0"/>
-              <a:gd name="adj2" fmla="val 16667"/>
-            </a:avLst>
-          </a:prstGeom>
-          <a:noFill/>
-        </p:spPr>
-        <p:txBody>
-          <a:bodyPr wrap="square" rtlCol="0">
-            <a:spAutoFit/>
-          </a:bodyPr>
-          <a:lstStyle/>
-          <a:p>
-            <a:pPr>
-              <a:lnSpc>
-                <a:spcPct val="150000"/>
-              </a:lnSpc>
-            </a:pPr>
-            <a:r>
-              <a:rPr lang="en-US" sz="1650" b="1" dirty="0">
-                <a:solidFill>
-                  <a:srgbClr val="013B43"/>
-                </a:solidFill>
-                <a:latin typeface="Bahnschrift Light Condensed" panose="020B0502040204020203" pitchFamily="34" charset="0"/>
-              </a:rPr>
-              <a:t>No. of ads </a:t>
             </a:r>
           </a:p>
         </p:txBody>
@@ -5918,7 +6986,7 @@
         </p:nvSpPr>
         <p:spPr>
           <a:xfrm>
-            <a:off x="5335052" y="3352600"/>
+            <a:off x="5180811" y="3679755"/>
             <a:ext cx="4503894" cy="513543"/>
           </a:xfrm>
           <a:prstGeom prst="snip2DiagRect">
@@ -5952,56 +7020,66 @@
           </a:p>
         </p:txBody>
       </p:sp>
-      <p:cxnSp>
-        <p:nvCxnSpPr>
-          <p:cNvPr id="22" name="Straight Connector 21">
+      <p:sp>
+        <p:nvSpPr>
+          <p:cNvPr id="29" name="TextBox 28">
             <a:extLst>
               <a:ext uri="{FF2B5EF4-FFF2-40B4-BE49-F238E27FC236}">
-                <a16:creationId xmlns:a16="http://schemas.microsoft.com/office/drawing/2014/main" id="{5EBE03CB-1A33-0A36-3B5F-D54E0114F353}"/>
+                <a16:creationId xmlns:a16="http://schemas.microsoft.com/office/drawing/2014/main" id="{8C9B423D-9754-1FDE-10B8-59EDF57D3CA6}"/>
               </a:ext>
             </a:extLst>
           </p:cNvPr>
-          <p:cNvCxnSpPr>
-            <a:cxnSpLocks/>
-          </p:cNvCxnSpPr>
+          <p:cNvSpPr txBox="1"/>
           <p:nvPr/>
-        </p:nvCxnSpPr>
-        <p:spPr>
-          <a:xfrm>
-            <a:off x="3800232" y="6964625"/>
-            <a:ext cx="411957" cy="0"/>
-          </a:xfrm>
-          <a:prstGeom prst="line">
+        </p:nvSpPr>
+        <p:spPr>
+          <a:xfrm>
+            <a:off x="4966132" y="99695"/>
+            <a:ext cx="4585253" cy="499880"/>
+          </a:xfrm>
+          <a:prstGeom prst="rect">
             <a:avLst/>
           </a:prstGeom>
-          <a:ln w="50800" cmpd="sng">
-            <a:solidFill>
-              <a:srgbClr val="F27844"/>
-            </a:solidFill>
-            <a:round/>
-          </a:ln>
-        </p:spPr>
-        <p:style>
-          <a:lnRef idx="1">
-            <a:schemeClr val="accent1"/>
-          </a:lnRef>
-          <a:fillRef idx="0">
-            <a:schemeClr val="accent1"/>
-          </a:fillRef>
-          <a:effectRef idx="0">
-            <a:schemeClr val="accent1"/>
-          </a:effectRef>
-          <a:fontRef idx="minor">
-            <a:schemeClr val="tx1"/>
-          </a:fontRef>
-        </p:style>
-      </p:cxnSp>
-      <p:sp>
-        <p:nvSpPr>
-          <p:cNvPr id="23" name="Rectangle: Diagonal Corners Snipped 22">
+          <a:noFill/>
+        </p:spPr>
+        <p:txBody>
+          <a:bodyPr wrap="square" rtlCol="0">
+            <a:spAutoFit/>
+          </a:bodyPr>
+          <a:lstStyle/>
+          <a:p>
+            <a:pPr>
+              <a:lnSpc>
+                <a:spcPct val="150000"/>
+              </a:lnSpc>
+            </a:pPr>
+            <a:r>
+              <a:rPr lang="en-US" sz="2000" dirty="0">
+                <a:solidFill>
+                  <a:srgbClr val="013B43"/>
+                </a:solidFill>
+                <a:latin typeface="Bahnschrift Light Condensed" panose="020B0502040204020203" pitchFamily="34" charset="0"/>
+              </a:rPr>
+              <a:t>T</a:t>
+            </a:r>
+            <a:r>
+              <a:rPr lang="en-US" sz="2000" b="1" dirty="0">
+                <a:solidFill>
+                  <a:srgbClr val="013B43"/>
+                </a:solidFill>
+                <a:latin typeface="Bahnschrift Light Condensed" panose="020B0502040204020203" pitchFamily="34" charset="0"/>
+              </a:rPr>
+              <a:t>he last 12 months of:</a:t>
+            </a:r>
+          </a:p>
+        </p:txBody>
+      </p:sp>
+      <p:sp>
+        <p:nvSpPr>
+          <p:cNvPr id="37" name="Rectangle: Diagonal Corners Rounded 36">
             <a:extLst>
               <a:ext uri="{FF2B5EF4-FFF2-40B4-BE49-F238E27FC236}">
-                <a16:creationId xmlns:a16="http://schemas.microsoft.com/office/drawing/2014/main" id="{E63A28BE-7CF1-E400-4B96-F01414B66C4F}"/>
+                <a16:creationId xmlns:a16="http://schemas.microsoft.com/office/drawing/2014/main" id="{B4EB8072-4DE8-804C-C1CD-496D2CCBDCA4}"/>
               </a:ext>
             </a:extLst>
           </p:cNvPr>
@@ -6010,25 +7088,23 @@
         </p:nvSpPr>
         <p:spPr>
           <a:xfrm>
-            <a:off x="3866366" y="6685528"/>
-            <a:ext cx="1423832" cy="558194"/>
-          </a:xfrm>
-          <a:prstGeom prst="snip2DiagRect">
+            <a:off x="8024210" y="1284127"/>
+            <a:ext cx="1527175" cy="1291167"/>
+          </a:xfrm>
+          <a:prstGeom prst="round2DiagRect">
             <a:avLst>
               <a:gd name="adj1" fmla="val 0"/>
-              <a:gd name="adj2" fmla="val 16667"/>
+              <a:gd name="adj2" fmla="val 13971"/>
             </a:avLst>
           </a:prstGeom>
           <a:solidFill>
-            <a:srgbClr val="DBE9F2">
-              <a:alpha val="0"/>
+            <a:srgbClr val="FCECDC">
+              <a:alpha val="66000"/>
             </a:srgbClr>
           </a:solidFill>
-          <a:ln>
+          <a:ln w="15875">
             <a:solidFill>
-              <a:srgbClr val="DBE9F2">
-                <a:alpha val="0"/>
-              </a:srgbClr>
+              <a:schemeClr val="bg1"/>
             </a:solidFill>
           </a:ln>
         </p:spPr>
@@ -6052,950 +7128,6 @@
           <a:bodyPr rtlCol="0" anchor="t"/>
           <a:lstStyle/>
           <a:p>
-            <a:pPr marL="342900" indent="-85725">
-              <a:lnSpc>
-                <a:spcPct val="150000"/>
-              </a:lnSpc>
-            </a:pPr>
-            <a:r>
-              <a:rPr lang="en-US" sz="1200" dirty="0">
-                <a:solidFill>
-                  <a:srgbClr val="013B43"/>
-                </a:solidFill>
-              </a:rPr>
-              <a:t>% Growth</a:t>
-            </a:r>
-          </a:p>
-        </p:txBody>
-      </p:sp>
-      <p:sp>
-        <p:nvSpPr>
-          <p:cNvPr id="21" name="Rectangle: Diagonal Corners Snipped 20">
-            <a:extLst>
-              <a:ext uri="{FF2B5EF4-FFF2-40B4-BE49-F238E27FC236}">
-                <a16:creationId xmlns:a16="http://schemas.microsoft.com/office/drawing/2014/main" id="{FAE6F7FF-539F-5835-B2CE-5987A9956BD6}"/>
-              </a:ext>
-            </a:extLst>
-          </p:cNvPr>
-          <p:cNvSpPr/>
-          <p:nvPr/>
-        </p:nvSpPr>
-        <p:spPr>
-          <a:xfrm>
-            <a:off x="8409401" y="6649999"/>
-            <a:ext cx="1513739" cy="846278"/>
-          </a:xfrm>
-          <a:prstGeom prst="snip2DiagRect">
-            <a:avLst>
-              <a:gd name="adj1" fmla="val 0"/>
-              <a:gd name="adj2" fmla="val 16667"/>
-            </a:avLst>
-          </a:prstGeom>
-          <a:solidFill>
-            <a:srgbClr val="DBE9F2">
-              <a:alpha val="0"/>
-            </a:srgbClr>
-          </a:solidFill>
-          <a:ln>
-            <a:solidFill>
-              <a:srgbClr val="DBE9F2">
-                <a:alpha val="0"/>
-              </a:srgbClr>
-            </a:solidFill>
-          </a:ln>
-        </p:spPr>
-        <p:style>
-          <a:lnRef idx="2">
-            <a:schemeClr val="accent1">
-              <a:shade val="15000"/>
-            </a:schemeClr>
-          </a:lnRef>
-          <a:fillRef idx="1">
-            <a:schemeClr val="accent1"/>
-          </a:fillRef>
-          <a:effectRef idx="0">
-            <a:schemeClr val="accent1"/>
-          </a:effectRef>
-          <a:fontRef idx="minor">
-            <a:schemeClr val="lt1"/>
-          </a:fontRef>
-        </p:style>
-        <p:txBody>
-          <a:bodyPr rtlCol="0" anchor="t"/>
-          <a:lstStyle/>
-          <a:p>
-            <a:pPr marL="342900" indent="-85725">
-              <a:lnSpc>
-                <a:spcPct val="150000"/>
-              </a:lnSpc>
-            </a:pPr>
-            <a:r>
-              <a:rPr lang="en-US" sz="1350" dirty="0">
-                <a:solidFill>
-                  <a:srgbClr val="013B43"/>
-                </a:solidFill>
-              </a:rPr>
-              <a:t>Impressions</a:t>
-            </a:r>
-            <a:endParaRPr lang="en-US" sz="1200" dirty="0">
-              <a:solidFill>
-                <a:srgbClr val="013B43"/>
-              </a:solidFill>
-            </a:endParaRPr>
-          </a:p>
-        </p:txBody>
-      </p:sp>
-      <p:sp>
-        <p:nvSpPr>
-          <p:cNvPr id="27" name="Oval 26">
-            <a:extLst>
-              <a:ext uri="{FF2B5EF4-FFF2-40B4-BE49-F238E27FC236}">
-                <a16:creationId xmlns:a16="http://schemas.microsoft.com/office/drawing/2014/main" id="{EE7EE1B9-260F-60A4-D82A-EBE9DF9C9CA6}"/>
-              </a:ext>
-            </a:extLst>
-          </p:cNvPr>
-          <p:cNvSpPr/>
-          <p:nvPr/>
-        </p:nvSpPr>
-        <p:spPr>
-          <a:xfrm>
-            <a:off x="8636658" y="6859553"/>
-            <a:ext cx="171450" cy="171450"/>
-          </a:xfrm>
-          <a:prstGeom prst="ellipse">
-            <a:avLst/>
-          </a:prstGeom>
-          <a:solidFill>
-            <a:srgbClr val="6EE3C6"/>
-          </a:solidFill>
-          <a:ln>
-            <a:solidFill>
-              <a:srgbClr val="6EE3C6"/>
-            </a:solidFill>
-          </a:ln>
-        </p:spPr>
-        <p:style>
-          <a:lnRef idx="2">
-            <a:schemeClr val="accent1">
-              <a:shade val="15000"/>
-            </a:schemeClr>
-          </a:lnRef>
-          <a:fillRef idx="1">
-            <a:schemeClr val="accent1"/>
-          </a:fillRef>
-          <a:effectRef idx="0">
-            <a:schemeClr val="accent1"/>
-          </a:effectRef>
-          <a:fontRef idx="minor">
-            <a:schemeClr val="lt1"/>
-          </a:fontRef>
-        </p:style>
-        <p:txBody>
-          <a:bodyPr rtlCol="0" anchor="ctr"/>
-          <a:lstStyle/>
-          <a:p>
-            <a:pPr algn="ctr"/>
-            <a:endParaRPr lang="en-US" sz="4050" dirty="0"/>
-          </a:p>
-        </p:txBody>
-      </p:sp>
-    </p:spTree>
-    <p:extLst>
-      <p:ext uri="{BB962C8B-B14F-4D97-AF65-F5344CB8AC3E}">
-        <p14:creationId xmlns:p14="http://schemas.microsoft.com/office/powerpoint/2010/main" val="1540066226"/>
-      </p:ext>
-    </p:extLst>
-  </p:cSld>
-  <p:clrMapOvr>
-    <a:masterClrMapping/>
-  </p:clrMapOvr>
-</p:sld>
-</file>
-
-<file path=ppt/slides/slide3.xml><?xml version="1.0" encoding="utf-8"?>
-<p:sld xmlns:a="http://schemas.openxmlformats.org/drawingml/2006/main" xmlns:r="http://schemas.openxmlformats.org/officeDocument/2006/relationships" xmlns:p="http://schemas.openxmlformats.org/presentationml/2006/main">
-  <p:cSld>
-    <p:spTree>
-      <p:nvGrpSpPr>
-        <p:cNvPr id="1" name=""/>
-        <p:cNvGrpSpPr/>
-        <p:nvPr/>
-      </p:nvGrpSpPr>
-      <p:grpSpPr>
-        <a:xfrm>
-          <a:off x="0" y="0"/>
-          <a:ext cx="0" cy="0"/>
-          <a:chOff x="0" y="0"/>
-          <a:chExt cx="0" cy="0"/>
-        </a:xfrm>
-      </p:grpSpPr>
-      <p:sp>
-        <p:nvSpPr>
-          <p:cNvPr id="17" name="TextBox 16">
-            <a:extLst>
-              <a:ext uri="{FF2B5EF4-FFF2-40B4-BE49-F238E27FC236}">
-                <a16:creationId xmlns:a16="http://schemas.microsoft.com/office/drawing/2014/main" id="{0F86A0B2-BBB2-597F-31D4-CFAD43DA5526}"/>
-              </a:ext>
-            </a:extLst>
-          </p:cNvPr>
-          <p:cNvSpPr txBox="1"/>
-          <p:nvPr/>
-        </p:nvSpPr>
-        <p:spPr>
-          <a:xfrm>
-            <a:off x="9973210" y="842339"/>
-            <a:ext cx="574400" cy="2064027"/>
-          </a:xfrm>
-          <a:prstGeom prst="rect">
-            <a:avLst/>
-          </a:prstGeom>
-          <a:noFill/>
-        </p:spPr>
-        <p:txBody>
-          <a:bodyPr wrap="square" rtlCol="0">
-            <a:spAutoFit/>
-          </a:bodyPr>
-          <a:lstStyle/>
-          <a:p>
-            <a:pPr>
-              <a:lnSpc>
-                <a:spcPct val="150000"/>
-              </a:lnSpc>
-            </a:pPr>
-            <a:r>
-              <a:rPr lang="en-US" sz="1350" b="1" dirty="0">
-                <a:solidFill>
-                  <a:srgbClr val="352B5B"/>
-                </a:solidFill>
-                <a:latin typeface="Bahnschrift Light Condensed" panose="020B0502040204020203" pitchFamily="34" charset="0"/>
-              </a:rPr>
-              <a:t>MAX</a:t>
-            </a:r>
-          </a:p>
-          <a:p>
-            <a:pPr>
-              <a:lnSpc>
-                <a:spcPct val="150000"/>
-              </a:lnSpc>
-            </a:pPr>
-            <a:br>
-              <a:rPr lang="en-US" sz="1350" b="1" dirty="0">
-                <a:solidFill>
-                  <a:srgbClr val="352B5B"/>
-                </a:solidFill>
-                <a:latin typeface="Bahnschrift Light Condensed" panose="020B0502040204020203" pitchFamily="34" charset="0"/>
-              </a:rPr>
-            </a:br>
-            <a:br>
-              <a:rPr lang="en-US" sz="1350" b="1" dirty="0">
-                <a:solidFill>
-                  <a:srgbClr val="352B5B"/>
-                </a:solidFill>
-                <a:latin typeface="Bahnschrift Light Condensed" panose="020B0502040204020203" pitchFamily="34" charset="0"/>
-              </a:rPr>
-            </a:br>
-            <a:endParaRPr lang="en-US" sz="900" b="1" dirty="0">
-              <a:solidFill>
-                <a:srgbClr val="352B5B"/>
-              </a:solidFill>
-              <a:latin typeface="Bahnschrift Light Condensed" panose="020B0502040204020203" pitchFamily="34" charset="0"/>
-            </a:endParaRPr>
-          </a:p>
-          <a:p>
-            <a:pPr>
-              <a:lnSpc>
-                <a:spcPct val="150000"/>
-              </a:lnSpc>
-            </a:pPr>
-            <a:endParaRPr lang="en-US" sz="2400" b="1" dirty="0">
-              <a:solidFill>
-                <a:srgbClr val="352B5B"/>
-              </a:solidFill>
-              <a:latin typeface="Bahnschrift Light Condensed" panose="020B0502040204020203" pitchFamily="34" charset="0"/>
-            </a:endParaRPr>
-          </a:p>
-          <a:p>
-            <a:pPr>
-              <a:lnSpc>
-                <a:spcPct val="150000"/>
-              </a:lnSpc>
-            </a:pPr>
-            <a:r>
-              <a:rPr lang="en-US" sz="450" b="1" dirty="0">
-                <a:solidFill>
-                  <a:srgbClr val="352B5B"/>
-                </a:solidFill>
-                <a:latin typeface="Bahnschrift Light Condensed" panose="020B0502040204020203" pitchFamily="34" charset="0"/>
-              </a:rPr>
-              <a:t> </a:t>
-            </a:r>
-            <a:r>
-              <a:rPr lang="en-US" sz="1350" b="1" dirty="0">
-                <a:solidFill>
-                  <a:srgbClr val="352B5B"/>
-                </a:solidFill>
-                <a:latin typeface="Bahnschrift Light Condensed" panose="020B0502040204020203" pitchFamily="34" charset="0"/>
-              </a:rPr>
-              <a:t>MIN</a:t>
-            </a:r>
-            <a:endParaRPr lang="en-US" sz="1350" dirty="0">
-              <a:solidFill>
-                <a:srgbClr val="352B5B"/>
-              </a:solidFill>
-              <a:latin typeface="Bahnschrift Light Condensed" panose="020B0502040204020203" pitchFamily="34" charset="0"/>
-            </a:endParaRPr>
-          </a:p>
-        </p:txBody>
-      </p:sp>
-      <p:sp>
-        <p:nvSpPr>
-          <p:cNvPr id="18" name="Rectangle: Rounded Corners 17">
-            <a:extLst>
-              <a:ext uri="{FF2B5EF4-FFF2-40B4-BE49-F238E27FC236}">
-                <a16:creationId xmlns:a16="http://schemas.microsoft.com/office/drawing/2014/main" id="{7F7F1F1D-6480-8350-A094-E9887215EB8A}"/>
-              </a:ext>
-            </a:extLst>
-          </p:cNvPr>
-          <p:cNvSpPr/>
-          <p:nvPr/>
-        </p:nvSpPr>
-        <p:spPr>
-          <a:xfrm>
-            <a:off x="9693209" y="99698"/>
-            <a:ext cx="8465820" cy="3184602"/>
-          </a:xfrm>
-          <a:prstGeom prst="roundRect">
-            <a:avLst>
-              <a:gd name="adj" fmla="val 7212"/>
-            </a:avLst>
-          </a:prstGeom>
-          <a:solidFill>
-            <a:srgbClr val="FCECDC"/>
-          </a:solidFill>
-          <a:ln>
-            <a:solidFill>
-              <a:srgbClr val="FCECDC"/>
-            </a:solidFill>
-          </a:ln>
-        </p:spPr>
-        <p:style>
-          <a:lnRef idx="2">
-            <a:schemeClr val="accent1">
-              <a:shade val="15000"/>
-            </a:schemeClr>
-          </a:lnRef>
-          <a:fillRef idx="1">
-            <a:schemeClr val="accent1"/>
-          </a:fillRef>
-          <a:effectRef idx="0">
-            <a:schemeClr val="accent1"/>
-          </a:effectRef>
-          <a:fontRef idx="minor">
-            <a:schemeClr val="lt1"/>
-          </a:fontRef>
-        </p:style>
-        <p:txBody>
-          <a:bodyPr rtlCol="0" anchor="ctr"/>
-          <a:lstStyle/>
-          <a:p>
-            <a:pPr algn="ctr"/>
-            <a:endParaRPr lang="en-US" sz="4050" dirty="0"/>
-          </a:p>
-        </p:txBody>
-      </p:sp>
-      <p:sp>
-        <p:nvSpPr>
-          <p:cNvPr id="19" name="Rectangle: Rounded Corners 18">
-            <a:extLst>
-              <a:ext uri="{FF2B5EF4-FFF2-40B4-BE49-F238E27FC236}">
-                <a16:creationId xmlns:a16="http://schemas.microsoft.com/office/drawing/2014/main" id="{0D997E00-97A4-F037-CD42-80AB7B0A505F}"/>
-              </a:ext>
-            </a:extLst>
-          </p:cNvPr>
-          <p:cNvSpPr/>
-          <p:nvPr/>
-        </p:nvSpPr>
-        <p:spPr>
-          <a:xfrm>
-            <a:off x="144780" y="99698"/>
-            <a:ext cx="9340596" cy="3184602"/>
-          </a:xfrm>
-          <a:prstGeom prst="roundRect">
-            <a:avLst>
-              <a:gd name="adj" fmla="val 7212"/>
-            </a:avLst>
-          </a:prstGeom>
-          <a:solidFill>
-            <a:srgbClr val="FCECDC"/>
-          </a:solidFill>
-          <a:ln>
-            <a:solidFill>
-              <a:srgbClr val="FCECDC"/>
-            </a:solidFill>
-          </a:ln>
-        </p:spPr>
-        <p:style>
-          <a:lnRef idx="2">
-            <a:schemeClr val="accent1">
-              <a:shade val="15000"/>
-            </a:schemeClr>
-          </a:lnRef>
-          <a:fillRef idx="1">
-            <a:schemeClr val="accent1"/>
-          </a:fillRef>
-          <a:effectRef idx="0">
-            <a:schemeClr val="accent1"/>
-          </a:effectRef>
-          <a:fontRef idx="minor">
-            <a:schemeClr val="lt1"/>
-          </a:fontRef>
-        </p:style>
-        <p:txBody>
-          <a:bodyPr rtlCol="0" anchor="t"/>
-          <a:lstStyle/>
-          <a:p>
-            <a:endParaRPr lang="en-US" sz="2100" dirty="0">
-              <a:solidFill>
-                <a:srgbClr val="013B43"/>
-              </a:solidFill>
-              <a:latin typeface="Bahnschrift Light Condensed" panose="020B0502040204020203" pitchFamily="34" charset="0"/>
-            </a:endParaRPr>
-          </a:p>
-        </p:txBody>
-      </p:sp>
-      <p:sp>
-        <p:nvSpPr>
-          <p:cNvPr id="22" name="TextBox 21">
-            <a:extLst>
-              <a:ext uri="{FF2B5EF4-FFF2-40B4-BE49-F238E27FC236}">
-                <a16:creationId xmlns:a16="http://schemas.microsoft.com/office/drawing/2014/main" id="{5127DD70-5195-D147-425E-B61E3CBCC531}"/>
-              </a:ext>
-            </a:extLst>
-          </p:cNvPr>
-          <p:cNvSpPr txBox="1"/>
-          <p:nvPr/>
-        </p:nvSpPr>
-        <p:spPr>
-          <a:xfrm>
-            <a:off x="9864659" y="-24973"/>
-            <a:ext cx="4585253" cy="430311"/>
-          </a:xfrm>
-          <a:prstGeom prst="rect">
-            <a:avLst/>
-          </a:prstGeom>
-          <a:noFill/>
-        </p:spPr>
-        <p:txBody>
-          <a:bodyPr wrap="square" rtlCol="0">
-            <a:spAutoFit/>
-          </a:bodyPr>
-          <a:lstStyle/>
-          <a:p>
-            <a:pPr>
-              <a:lnSpc>
-                <a:spcPct val="150000"/>
-              </a:lnSpc>
-            </a:pPr>
-            <a:r>
-              <a:rPr lang="en-US" sz="1650" b="1" dirty="0">
-                <a:solidFill>
-                  <a:srgbClr val="013B43"/>
-                </a:solidFill>
-                <a:latin typeface="Bahnschrift Light Condensed" panose="020B0502040204020203" pitchFamily="34" charset="0"/>
-              </a:rPr>
-              <a:t>Regional distribution in Czechia</a:t>
-            </a:r>
-          </a:p>
-        </p:txBody>
-      </p:sp>
-      <p:grpSp>
-        <p:nvGrpSpPr>
-          <p:cNvPr id="23" name="Group 22">
-            <a:extLst>
-              <a:ext uri="{FF2B5EF4-FFF2-40B4-BE49-F238E27FC236}">
-                <a16:creationId xmlns:a16="http://schemas.microsoft.com/office/drawing/2014/main" id="{12E1843B-728C-986C-FE2D-9DF1673CFD28}"/>
-              </a:ext>
-            </a:extLst>
-          </p:cNvPr>
-          <p:cNvGrpSpPr/>
-          <p:nvPr/>
-        </p:nvGrpSpPr>
-        <p:grpSpPr>
-          <a:xfrm>
-            <a:off x="9954117" y="823427"/>
-            <a:ext cx="578562" cy="2095659"/>
-            <a:chOff x="6523247" y="489118"/>
-            <a:chExt cx="385708" cy="1397106"/>
-          </a:xfrm>
-        </p:grpSpPr>
-        <p:sp>
-          <p:nvSpPr>
-            <p:cNvPr id="24" name="Rectangle: Rounded Corners 23">
-              <a:extLst>
-                <a:ext uri="{FF2B5EF4-FFF2-40B4-BE49-F238E27FC236}">
-                  <a16:creationId xmlns:a16="http://schemas.microsoft.com/office/drawing/2014/main" id="{2392D6E0-235C-BA08-E80A-D256979189DE}"/>
-                </a:ext>
-              </a:extLst>
-            </p:cNvPr>
-            <p:cNvSpPr/>
-            <p:nvPr/>
-          </p:nvSpPr>
-          <p:spPr>
-            <a:xfrm rot="10800000">
-              <a:off x="6523247" y="511722"/>
-              <a:ext cx="341196" cy="1374502"/>
-            </a:xfrm>
-            <a:prstGeom prst="roundRect">
-              <a:avLst>
-                <a:gd name="adj" fmla="val 50000"/>
-              </a:avLst>
-            </a:prstGeom>
-            <a:gradFill>
-              <a:gsLst>
-                <a:gs pos="0">
-                  <a:srgbClr val="E2FFFC"/>
-                </a:gs>
-                <a:gs pos="100000">
-                  <a:srgbClr val="00D2B5"/>
-                </a:gs>
-              </a:gsLst>
-              <a:lin ang="5400000" scaled="1"/>
-            </a:gradFill>
-            <a:ln w="12700">
-              <a:solidFill>
-                <a:srgbClr val="352B5B"/>
-              </a:solidFill>
-            </a:ln>
-          </p:spPr>
-          <p:style>
-            <a:lnRef idx="2">
-              <a:schemeClr val="accent1">
-                <a:shade val="15000"/>
-              </a:schemeClr>
-            </a:lnRef>
-            <a:fillRef idx="1">
-              <a:schemeClr val="accent1"/>
-            </a:fillRef>
-            <a:effectRef idx="0">
-              <a:schemeClr val="accent1"/>
-            </a:effectRef>
-            <a:fontRef idx="minor">
-              <a:schemeClr val="lt1"/>
-            </a:fontRef>
-          </p:style>
-          <p:txBody>
-            <a:bodyPr rtlCol="0" anchor="ctr"/>
-            <a:lstStyle/>
-            <a:p>
-              <a:pPr algn="ctr"/>
-              <a:endParaRPr lang="en-US" sz="4050" dirty="0"/>
-            </a:p>
-          </p:txBody>
-        </p:sp>
-        <p:sp>
-          <p:nvSpPr>
-            <p:cNvPr id="25" name="TextBox 24">
-              <a:extLst>
-                <a:ext uri="{FF2B5EF4-FFF2-40B4-BE49-F238E27FC236}">
-                  <a16:creationId xmlns:a16="http://schemas.microsoft.com/office/drawing/2014/main" id="{49835D92-9941-3969-9C79-0A0AF73F4D23}"/>
-                </a:ext>
-              </a:extLst>
-            </p:cNvPr>
-            <p:cNvSpPr txBox="1"/>
-            <p:nvPr/>
-          </p:nvSpPr>
-          <p:spPr>
-            <a:xfrm>
-              <a:off x="6526022" y="489118"/>
-              <a:ext cx="382933" cy="1376018"/>
-            </a:xfrm>
-            <a:prstGeom prst="rect">
-              <a:avLst/>
-            </a:prstGeom>
-            <a:noFill/>
-          </p:spPr>
-          <p:txBody>
-            <a:bodyPr wrap="square" rtlCol="0">
-              <a:spAutoFit/>
-            </a:bodyPr>
-            <a:lstStyle/>
-            <a:p>
-              <a:pPr>
-                <a:lnSpc>
-                  <a:spcPct val="150000"/>
-                </a:lnSpc>
-              </a:pPr>
-              <a:r>
-                <a:rPr lang="en-US" sz="1350" b="1" dirty="0">
-                  <a:solidFill>
-                    <a:srgbClr val="352B5B"/>
-                  </a:solidFill>
-                  <a:latin typeface="Bahnschrift Light Condensed" panose="020B0502040204020203" pitchFamily="34" charset="0"/>
-                </a:rPr>
-                <a:t>MAX</a:t>
-              </a:r>
-            </a:p>
-            <a:p>
-              <a:pPr>
-                <a:lnSpc>
-                  <a:spcPct val="150000"/>
-                </a:lnSpc>
-              </a:pPr>
-              <a:br>
-                <a:rPr lang="en-US" sz="1350" b="1" dirty="0">
-                  <a:solidFill>
-                    <a:srgbClr val="352B5B"/>
-                  </a:solidFill>
-                  <a:latin typeface="Bahnschrift Light Condensed" panose="020B0502040204020203" pitchFamily="34" charset="0"/>
-                </a:rPr>
-              </a:br>
-              <a:br>
-                <a:rPr lang="en-US" sz="1350" b="1" dirty="0">
-                  <a:solidFill>
-                    <a:srgbClr val="352B5B"/>
-                  </a:solidFill>
-                  <a:latin typeface="Bahnschrift Light Condensed" panose="020B0502040204020203" pitchFamily="34" charset="0"/>
-                </a:rPr>
-              </a:br>
-              <a:endParaRPr lang="en-US" sz="900" b="1" dirty="0">
-                <a:solidFill>
-                  <a:srgbClr val="352B5B"/>
-                </a:solidFill>
-                <a:latin typeface="Bahnschrift Light Condensed" panose="020B0502040204020203" pitchFamily="34" charset="0"/>
-              </a:endParaRPr>
-            </a:p>
-            <a:p>
-              <a:pPr>
-                <a:lnSpc>
-                  <a:spcPct val="150000"/>
-                </a:lnSpc>
-              </a:pPr>
-              <a:endParaRPr lang="en-US" sz="2400" b="1" dirty="0">
-                <a:solidFill>
-                  <a:srgbClr val="352B5B"/>
-                </a:solidFill>
-                <a:latin typeface="Bahnschrift Light Condensed" panose="020B0502040204020203" pitchFamily="34" charset="0"/>
-              </a:endParaRPr>
-            </a:p>
-            <a:p>
-              <a:pPr>
-                <a:lnSpc>
-                  <a:spcPct val="150000"/>
-                </a:lnSpc>
-              </a:pPr>
-              <a:r>
-                <a:rPr lang="en-US" sz="450" b="1" dirty="0">
-                  <a:solidFill>
-                    <a:srgbClr val="352B5B"/>
-                  </a:solidFill>
-                  <a:latin typeface="Bahnschrift Light Condensed" panose="020B0502040204020203" pitchFamily="34" charset="0"/>
-                </a:rPr>
-                <a:t> </a:t>
-              </a:r>
-              <a:r>
-                <a:rPr lang="en-US" sz="1350" b="1" dirty="0">
-                  <a:solidFill>
-                    <a:srgbClr val="352B5B"/>
-                  </a:solidFill>
-                  <a:latin typeface="Bahnschrift Light Condensed" panose="020B0502040204020203" pitchFamily="34" charset="0"/>
-                </a:rPr>
-                <a:t>MIN</a:t>
-              </a:r>
-              <a:endParaRPr lang="en-US" sz="1350" dirty="0">
-                <a:solidFill>
-                  <a:srgbClr val="352B5B"/>
-                </a:solidFill>
-                <a:latin typeface="Bahnschrift Light Condensed" panose="020B0502040204020203" pitchFamily="34" charset="0"/>
-              </a:endParaRPr>
-            </a:p>
-          </p:txBody>
-        </p:sp>
-      </p:grpSp>
-      <p:sp>
-        <p:nvSpPr>
-          <p:cNvPr id="29" name="Rectangle: Rounded Corners 28">
-            <a:extLst>
-              <a:ext uri="{FF2B5EF4-FFF2-40B4-BE49-F238E27FC236}">
-                <a16:creationId xmlns:a16="http://schemas.microsoft.com/office/drawing/2014/main" id="{FFC20CAD-AA14-10E5-B549-1793A465C864}"/>
-              </a:ext>
-            </a:extLst>
-          </p:cNvPr>
-          <p:cNvSpPr/>
-          <p:nvPr/>
-        </p:nvSpPr>
-        <p:spPr>
-          <a:xfrm>
-            <a:off x="144781" y="3458816"/>
-            <a:ext cx="4557617" cy="6728487"/>
-          </a:xfrm>
-          <a:prstGeom prst="roundRect">
-            <a:avLst>
-              <a:gd name="adj" fmla="val 5192"/>
-            </a:avLst>
-          </a:prstGeom>
-          <a:solidFill>
-            <a:srgbClr val="FCECDC"/>
-          </a:solidFill>
-          <a:ln>
-            <a:solidFill>
-              <a:srgbClr val="FCECDC"/>
-            </a:solidFill>
-          </a:ln>
-        </p:spPr>
-        <p:style>
-          <a:lnRef idx="2">
-            <a:schemeClr val="accent1">
-              <a:shade val="15000"/>
-            </a:schemeClr>
-          </a:lnRef>
-          <a:fillRef idx="1">
-            <a:schemeClr val="accent1"/>
-          </a:fillRef>
-          <a:effectRef idx="0">
-            <a:schemeClr val="accent1"/>
-          </a:effectRef>
-          <a:fontRef idx="minor">
-            <a:schemeClr val="lt1"/>
-          </a:fontRef>
-        </p:style>
-        <p:txBody>
-          <a:bodyPr rtlCol="0" anchor="t"/>
-          <a:lstStyle/>
-          <a:p>
-            <a:endParaRPr lang="en-US" sz="2100" dirty="0">
-              <a:solidFill>
-                <a:srgbClr val="013B43"/>
-              </a:solidFill>
-              <a:latin typeface="Bahnschrift Light Condensed" panose="020B0502040204020203" pitchFamily="34" charset="0"/>
-            </a:endParaRPr>
-          </a:p>
-        </p:txBody>
-      </p:sp>
-      <p:sp>
-        <p:nvSpPr>
-          <p:cNvPr id="31" name="Rectangle: Rounded Corners 30">
-            <a:extLst>
-              <a:ext uri="{FF2B5EF4-FFF2-40B4-BE49-F238E27FC236}">
-                <a16:creationId xmlns:a16="http://schemas.microsoft.com/office/drawing/2014/main" id="{0F0AAB5B-C8C5-AFA8-AC44-D485170A3BA7}"/>
-              </a:ext>
-            </a:extLst>
-          </p:cNvPr>
-          <p:cNvSpPr/>
-          <p:nvPr/>
-        </p:nvSpPr>
-        <p:spPr>
-          <a:xfrm>
-            <a:off x="4870123" y="6559826"/>
-            <a:ext cx="13288907" cy="3646208"/>
-          </a:xfrm>
-          <a:prstGeom prst="roundRect">
-            <a:avLst>
-              <a:gd name="adj" fmla="val 7212"/>
-            </a:avLst>
-          </a:prstGeom>
-          <a:solidFill>
-            <a:srgbClr val="FCECDC"/>
-          </a:solidFill>
-          <a:ln>
-            <a:solidFill>
-              <a:srgbClr val="FCECDC"/>
-            </a:solidFill>
-          </a:ln>
-        </p:spPr>
-        <p:style>
-          <a:lnRef idx="2">
-            <a:schemeClr val="accent1">
-              <a:shade val="15000"/>
-            </a:schemeClr>
-          </a:lnRef>
-          <a:fillRef idx="1">
-            <a:schemeClr val="accent1"/>
-          </a:fillRef>
-          <a:effectRef idx="0">
-            <a:schemeClr val="accent1"/>
-          </a:effectRef>
-          <a:fontRef idx="minor">
-            <a:schemeClr val="lt1"/>
-          </a:fontRef>
-        </p:style>
-        <p:txBody>
-          <a:bodyPr rtlCol="0" anchor="ctr"/>
-          <a:lstStyle/>
-          <a:p>
-            <a:pPr algn="ctr"/>
-            <a:r>
-              <a:rPr lang="en-US" sz="4050" dirty="0"/>
-              <a:t> </a:t>
-            </a:r>
-          </a:p>
-        </p:txBody>
-      </p:sp>
-      <p:sp>
-        <p:nvSpPr>
-          <p:cNvPr id="32" name="Rectangle: Rounded Corners 31">
-            <a:extLst>
-              <a:ext uri="{FF2B5EF4-FFF2-40B4-BE49-F238E27FC236}">
-                <a16:creationId xmlns:a16="http://schemas.microsoft.com/office/drawing/2014/main" id="{C37CFB12-356B-43F8-B919-97BF2BE1E619}"/>
-              </a:ext>
-            </a:extLst>
-          </p:cNvPr>
-          <p:cNvSpPr/>
-          <p:nvPr/>
-        </p:nvSpPr>
-        <p:spPr>
-          <a:xfrm>
-            <a:off x="13735879" y="3458816"/>
-            <a:ext cx="4423151" cy="2961863"/>
-          </a:xfrm>
-          <a:prstGeom prst="roundRect">
-            <a:avLst>
-              <a:gd name="adj" fmla="val 7212"/>
-            </a:avLst>
-          </a:prstGeom>
-          <a:solidFill>
-            <a:srgbClr val="FCECDC"/>
-          </a:solidFill>
-          <a:ln>
-            <a:solidFill>
-              <a:srgbClr val="FCECDC"/>
-            </a:solidFill>
-          </a:ln>
-        </p:spPr>
-        <p:style>
-          <a:lnRef idx="2">
-            <a:schemeClr val="accent1">
-              <a:shade val="15000"/>
-            </a:schemeClr>
-          </a:lnRef>
-          <a:fillRef idx="1">
-            <a:schemeClr val="accent1"/>
-          </a:fillRef>
-          <a:effectRef idx="0">
-            <a:schemeClr val="accent1"/>
-          </a:effectRef>
-          <a:fontRef idx="minor">
-            <a:schemeClr val="lt1"/>
-          </a:fontRef>
-        </p:style>
-        <p:txBody>
-          <a:bodyPr rtlCol="0" anchor="ctr"/>
-          <a:lstStyle/>
-          <a:p>
-            <a:pPr algn="ctr"/>
-            <a:endParaRPr lang="en-US" sz="4050" dirty="0"/>
-          </a:p>
-        </p:txBody>
-      </p:sp>
-      <p:sp>
-        <p:nvSpPr>
-          <p:cNvPr id="33" name="Rectangle: Rounded Corners 32">
-            <a:extLst>
-              <a:ext uri="{FF2B5EF4-FFF2-40B4-BE49-F238E27FC236}">
-                <a16:creationId xmlns:a16="http://schemas.microsoft.com/office/drawing/2014/main" id="{EDAA8FA4-FD28-D64B-E541-D40A48AEAF38}"/>
-              </a:ext>
-            </a:extLst>
-          </p:cNvPr>
-          <p:cNvSpPr/>
-          <p:nvPr/>
-        </p:nvSpPr>
-        <p:spPr>
-          <a:xfrm>
-            <a:off x="4826692" y="3458816"/>
-            <a:ext cx="8780216" cy="2961863"/>
-          </a:xfrm>
-          <a:prstGeom prst="roundRect">
-            <a:avLst>
-              <a:gd name="adj" fmla="val 7212"/>
-            </a:avLst>
-          </a:prstGeom>
-          <a:solidFill>
-            <a:srgbClr val="FCECDC"/>
-          </a:solidFill>
-          <a:ln>
-            <a:solidFill>
-              <a:srgbClr val="FCECDC"/>
-            </a:solidFill>
-          </a:ln>
-        </p:spPr>
-        <p:style>
-          <a:lnRef idx="2">
-            <a:schemeClr val="accent1">
-              <a:shade val="15000"/>
-            </a:schemeClr>
-          </a:lnRef>
-          <a:fillRef idx="1">
-            <a:schemeClr val="accent1"/>
-          </a:fillRef>
-          <a:effectRef idx="0">
-            <a:schemeClr val="accent1"/>
-          </a:effectRef>
-          <a:fontRef idx="minor">
-            <a:schemeClr val="lt1"/>
-          </a:fontRef>
-        </p:style>
-        <p:txBody>
-          <a:bodyPr rtlCol="0" anchor="ctr"/>
-          <a:lstStyle/>
-          <a:p>
-            <a:pPr algn="ctr"/>
-            <a:endParaRPr lang="en-US" sz="4050" dirty="0"/>
-          </a:p>
-        </p:txBody>
-      </p:sp>
-      <p:sp>
-        <p:nvSpPr>
-          <p:cNvPr id="20" name="Rectangle: Diagonal Corners Rounded 19">
-            <a:extLst>
-              <a:ext uri="{FF2B5EF4-FFF2-40B4-BE49-F238E27FC236}">
-                <a16:creationId xmlns:a16="http://schemas.microsoft.com/office/drawing/2014/main" id="{2452ADD8-CCAD-5B59-1FC5-02D9F9C2DB4D}"/>
-              </a:ext>
-            </a:extLst>
-          </p:cNvPr>
-          <p:cNvSpPr/>
-          <p:nvPr/>
-        </p:nvSpPr>
-        <p:spPr>
-          <a:xfrm>
-            <a:off x="4826691" y="80967"/>
-            <a:ext cx="4672116" cy="1966494"/>
-          </a:xfrm>
-          <a:prstGeom prst="round2DiagRect">
-            <a:avLst>
-              <a:gd name="adj1" fmla="val 0"/>
-              <a:gd name="adj2" fmla="val 13971"/>
-            </a:avLst>
-          </a:prstGeom>
-          <a:solidFill>
-            <a:srgbClr val="FCECDC">
-              <a:alpha val="66000"/>
-            </a:srgbClr>
-          </a:solidFill>
-          <a:ln>
-            <a:solidFill>
-              <a:schemeClr val="bg1"/>
-            </a:solidFill>
-          </a:ln>
-        </p:spPr>
-        <p:style>
-          <a:lnRef idx="2">
-            <a:schemeClr val="accent1">
-              <a:shade val="15000"/>
-            </a:schemeClr>
-          </a:lnRef>
-          <a:fillRef idx="1">
-            <a:schemeClr val="accent1"/>
-          </a:fillRef>
-          <a:effectRef idx="0">
-            <a:schemeClr val="accent1"/>
-          </a:effectRef>
-          <a:fontRef idx="minor">
-            <a:schemeClr val="lt1"/>
-          </a:fontRef>
-        </p:style>
-        <p:txBody>
-          <a:bodyPr rtlCol="0" anchor="t"/>
-          <a:lstStyle/>
-          <a:p>
             <a:endParaRPr lang="en-US" sz="4050" dirty="0">
               <a:solidFill>
                 <a:srgbClr val="013B43"/>
@@ -7007,10 +7139,10 @@
       </p:sp>
       <p:sp>
         <p:nvSpPr>
-          <p:cNvPr id="21" name="TextBox 20">
+          <p:cNvPr id="38" name="TextBox 37">
             <a:extLst>
               <a:ext uri="{FF2B5EF4-FFF2-40B4-BE49-F238E27FC236}">
-                <a16:creationId xmlns:a16="http://schemas.microsoft.com/office/drawing/2014/main" id="{19DDFB94-9255-2018-DFC4-88FB4E68ACD3}"/>
+                <a16:creationId xmlns:a16="http://schemas.microsoft.com/office/drawing/2014/main" id="{F51B36D4-9548-0CE3-5843-B3E555C4A606}"/>
               </a:ext>
             </a:extLst>
           </p:cNvPr>
@@ -7019,8 +7151,8 @@
         </p:nvSpPr>
         <p:spPr>
           <a:xfrm>
-            <a:off x="4870123" y="607242"/>
-            <a:ext cx="4585253" cy="1302280"/>
+            <a:off x="8027459" y="1222944"/>
+            <a:ext cx="892273" cy="430311"/>
           </a:xfrm>
           <a:prstGeom prst="rect">
             <a:avLst/>
@@ -7039,24 +7171,44 @@
               </a:lnSpc>
             </a:pPr>
             <a:r>
-              <a:rPr lang="en-US" sz="1350" b="1" dirty="0">
+              <a:rPr lang="en-US" sz="1650" b="1" dirty="0">
                 <a:solidFill>
                   <a:srgbClr val="013B43"/>
                 </a:solidFill>
                 <a:latin typeface="Bahnschrift Light Condensed" panose="020B0502040204020203" pitchFamily="34" charset="0"/>
               </a:rPr>
-              <a:t>Impressions</a:t>
-            </a:r>
-            <a:r>
-              <a:rPr lang="en-US" sz="1350" dirty="0">
-                <a:solidFill>
-                  <a:srgbClr val="013B43"/>
-                </a:solidFill>
-                <a:latin typeface="Bahnschrift Light Condensed" panose="020B0502040204020203" pitchFamily="34" charset="0"/>
-              </a:rPr>
-              <a:t> = The number of times ads were displayed on screen.</a:t>
-            </a:r>
-          </a:p>
+              <a:t>Target:</a:t>
+            </a:r>
+          </a:p>
+        </p:txBody>
+      </p:sp>
+      <p:sp>
+        <p:nvSpPr>
+          <p:cNvPr id="39" name="TextBox 38">
+            <a:extLst>
+              <a:ext uri="{FF2B5EF4-FFF2-40B4-BE49-F238E27FC236}">
+                <a16:creationId xmlns:a16="http://schemas.microsoft.com/office/drawing/2014/main" id="{B30980FD-4359-5B76-097A-E7244C373255}"/>
+              </a:ext>
+            </a:extLst>
+          </p:cNvPr>
+          <p:cNvSpPr txBox="1"/>
+          <p:nvPr/>
+        </p:nvSpPr>
+        <p:spPr>
+          <a:xfrm>
+            <a:off x="5180811" y="1193451"/>
+            <a:ext cx="1759173" cy="430311"/>
+          </a:xfrm>
+          <a:prstGeom prst="rect">
+            <a:avLst/>
+          </a:prstGeom>
+          <a:noFill/>
+        </p:spPr>
+        <p:txBody>
+          <a:bodyPr wrap="square" rtlCol="0">
+            <a:spAutoFit/>
+          </a:bodyPr>
+          <a:lstStyle/>
           <a:p>
             <a:pPr>
               <a:lnSpc>
@@ -7064,623 +7216,13 @@
               </a:lnSpc>
             </a:pPr>
             <a:r>
-              <a:rPr lang="en-US" sz="1350" b="1" dirty="0">
+              <a:rPr lang="en-US" sz="1650" b="1" dirty="0">
                 <a:solidFill>
                   <a:srgbClr val="013B43"/>
                 </a:solidFill>
                 <a:latin typeface="Bahnschrift Light Condensed" panose="020B0502040204020203" pitchFamily="34" charset="0"/>
               </a:rPr>
-              <a:t>Spending</a:t>
-            </a:r>
-            <a:r>
-              <a:rPr lang="en-US" sz="1350" dirty="0">
-                <a:solidFill>
-                  <a:srgbClr val="013B43"/>
-                </a:solidFill>
-                <a:latin typeface="Bahnschrift Light Condensed" panose="020B0502040204020203" pitchFamily="34" charset="0"/>
-              </a:rPr>
-              <a:t> = The amount of money spent running the ad.</a:t>
-            </a:r>
-          </a:p>
-          <a:p>
-            <a:pPr>
-              <a:lnSpc>
-                <a:spcPct val="150000"/>
-              </a:lnSpc>
-            </a:pPr>
-            <a:r>
-              <a:rPr lang="en-US" sz="1350" b="1" dirty="0">
-                <a:solidFill>
-                  <a:srgbClr val="013B43"/>
-                </a:solidFill>
-                <a:latin typeface="Bahnschrift Light Condensed" panose="020B0502040204020203" pitchFamily="34" charset="0"/>
-              </a:rPr>
-              <a:t>Reach</a:t>
-            </a:r>
-            <a:r>
-              <a:rPr lang="en-US" sz="1350" dirty="0">
-                <a:solidFill>
-                  <a:srgbClr val="013B43"/>
-                </a:solidFill>
-                <a:latin typeface="Bahnschrift Light Condensed" panose="020B0502040204020203" pitchFamily="34" charset="0"/>
-              </a:rPr>
-              <a:t> = The number of unique users who see the ad.</a:t>
-            </a:r>
-          </a:p>
-          <a:p>
-            <a:pPr>
-              <a:lnSpc>
-                <a:spcPct val="150000"/>
-              </a:lnSpc>
-            </a:pPr>
-            <a:r>
-              <a:rPr lang="en-US" sz="1350" b="1" dirty="0">
-                <a:solidFill>
-                  <a:srgbClr val="013B43"/>
-                </a:solidFill>
-                <a:latin typeface="Bahnschrift Light Condensed" panose="020B0502040204020203" pitchFamily="34" charset="0"/>
-              </a:rPr>
-              <a:t>Audience </a:t>
-            </a:r>
-            <a:r>
-              <a:rPr lang="en-US" sz="1350" dirty="0">
-                <a:solidFill>
-                  <a:srgbClr val="013B43"/>
-                </a:solidFill>
-                <a:latin typeface="Bahnschrift Light Condensed" panose="020B0502040204020203" pitchFamily="34" charset="0"/>
-              </a:rPr>
-              <a:t>= The number of potential users the advertiser target.</a:t>
-            </a:r>
-          </a:p>
-        </p:txBody>
-      </p:sp>
-      <p:sp>
-        <p:nvSpPr>
-          <p:cNvPr id="39" name="Rectangle: Diagonal Corners Snipped 38">
-            <a:extLst>
-              <a:ext uri="{FF2B5EF4-FFF2-40B4-BE49-F238E27FC236}">
-                <a16:creationId xmlns:a16="http://schemas.microsoft.com/office/drawing/2014/main" id="{9DC7118F-0202-B310-CEEE-0F6FDEFC407A}"/>
-              </a:ext>
-            </a:extLst>
-          </p:cNvPr>
-          <p:cNvSpPr/>
-          <p:nvPr/>
-        </p:nvSpPr>
-        <p:spPr>
-          <a:xfrm>
-            <a:off x="4766070" y="3339045"/>
-            <a:ext cx="4503894" cy="513543"/>
-          </a:xfrm>
-          <a:prstGeom prst="snip2DiagRect">
-            <a:avLst>
-              <a:gd name="adj1" fmla="val 0"/>
-              <a:gd name="adj2" fmla="val 16667"/>
-            </a:avLst>
-          </a:prstGeom>
-          <a:noFill/>
-        </p:spPr>
-        <p:txBody>
-          <a:bodyPr wrap="square" rtlCol="0">
-            <a:spAutoFit/>
-          </a:bodyPr>
-          <a:lstStyle/>
-          <a:p>
-            <a:pPr>
-              <a:lnSpc>
-                <a:spcPct val="150000"/>
-              </a:lnSpc>
-            </a:pPr>
-            <a:r>
-              <a:rPr lang="en-US" sz="1650" b="1" dirty="0">
-                <a:solidFill>
-                  <a:srgbClr val="013B43"/>
-                </a:solidFill>
-                <a:latin typeface="Bahnschrift Light Condensed" panose="020B0502040204020203" pitchFamily="34" charset="0"/>
-              </a:rPr>
-              <a:t>Age base Pareto principle and top advertisers</a:t>
-            </a:r>
-          </a:p>
-        </p:txBody>
-      </p:sp>
-      <p:sp>
-        <p:nvSpPr>
-          <p:cNvPr id="40" name="Rectangle: Diagonal Corners Snipped 39">
-            <a:extLst>
-              <a:ext uri="{FF2B5EF4-FFF2-40B4-BE49-F238E27FC236}">
-                <a16:creationId xmlns:a16="http://schemas.microsoft.com/office/drawing/2014/main" id="{6C579F74-86A1-24E5-117C-FC0D9A60A654}"/>
-              </a:ext>
-            </a:extLst>
-          </p:cNvPr>
-          <p:cNvSpPr/>
-          <p:nvPr/>
-        </p:nvSpPr>
-        <p:spPr>
-          <a:xfrm>
-            <a:off x="13833360" y="3325795"/>
-            <a:ext cx="4503894" cy="513543"/>
-          </a:xfrm>
-          <a:prstGeom prst="snip2DiagRect">
-            <a:avLst>
-              <a:gd name="adj1" fmla="val 0"/>
-              <a:gd name="adj2" fmla="val 16667"/>
-            </a:avLst>
-          </a:prstGeom>
-          <a:noFill/>
-        </p:spPr>
-        <p:txBody>
-          <a:bodyPr wrap="square" rtlCol="0">
-            <a:spAutoFit/>
-          </a:bodyPr>
-          <a:lstStyle/>
-          <a:p>
-            <a:pPr>
-              <a:lnSpc>
-                <a:spcPct val="150000"/>
-              </a:lnSpc>
-            </a:pPr>
-            <a:r>
-              <a:rPr lang="en-US" sz="1650" b="1" dirty="0">
-                <a:solidFill>
-                  <a:srgbClr val="013B43"/>
-                </a:solidFill>
-                <a:latin typeface="Bahnschrift Light Condensed" panose="020B0502040204020203" pitchFamily="34" charset="0"/>
-              </a:rPr>
-              <a:t>Change of advertisement over time </a:t>
-            </a:r>
-          </a:p>
-        </p:txBody>
-      </p:sp>
-      <p:sp>
-        <p:nvSpPr>
-          <p:cNvPr id="46" name="Rectangle: Diagonal Corners Snipped 45">
-            <a:extLst>
-              <a:ext uri="{FF2B5EF4-FFF2-40B4-BE49-F238E27FC236}">
-                <a16:creationId xmlns:a16="http://schemas.microsoft.com/office/drawing/2014/main" id="{A0F54A76-3ACD-9809-7662-C2D111BA5092}"/>
-              </a:ext>
-            </a:extLst>
-          </p:cNvPr>
-          <p:cNvSpPr/>
-          <p:nvPr/>
-        </p:nvSpPr>
-        <p:spPr>
-          <a:xfrm>
-            <a:off x="164694" y="3339046"/>
-            <a:ext cx="4503894" cy="513543"/>
-          </a:xfrm>
-          <a:prstGeom prst="snip2DiagRect">
-            <a:avLst>
-              <a:gd name="adj1" fmla="val 0"/>
-              <a:gd name="adj2" fmla="val 16667"/>
-            </a:avLst>
-          </a:prstGeom>
-          <a:noFill/>
-        </p:spPr>
-        <p:txBody>
-          <a:bodyPr wrap="square" rtlCol="0">
-            <a:spAutoFit/>
-          </a:bodyPr>
-          <a:lstStyle/>
-          <a:p>
-            <a:pPr>
-              <a:lnSpc>
-                <a:spcPct val="150000"/>
-              </a:lnSpc>
-            </a:pPr>
-            <a:r>
-              <a:rPr lang="en-US" sz="1650" b="1" dirty="0">
-                <a:solidFill>
-                  <a:srgbClr val="013B43"/>
-                </a:solidFill>
-                <a:latin typeface="Bahnschrift Light Condensed" panose="020B0502040204020203" pitchFamily="34" charset="0"/>
-              </a:rPr>
-              <a:t>Evolution vs previous year</a:t>
-            </a:r>
-          </a:p>
-        </p:txBody>
-      </p:sp>
-      <p:sp>
-        <p:nvSpPr>
-          <p:cNvPr id="47" name="Rectangle: Diagonal Corners Snipped 46">
-            <a:extLst>
-              <a:ext uri="{FF2B5EF4-FFF2-40B4-BE49-F238E27FC236}">
-                <a16:creationId xmlns:a16="http://schemas.microsoft.com/office/drawing/2014/main" id="{C79592B2-5261-644C-250D-CE38184C08DA}"/>
-              </a:ext>
-            </a:extLst>
-          </p:cNvPr>
-          <p:cNvSpPr/>
-          <p:nvPr/>
-        </p:nvSpPr>
-        <p:spPr>
-          <a:xfrm>
-            <a:off x="4847177" y="6543962"/>
-            <a:ext cx="4503894" cy="513543"/>
-          </a:xfrm>
-          <a:prstGeom prst="snip2DiagRect">
-            <a:avLst>
-              <a:gd name="adj1" fmla="val 0"/>
-              <a:gd name="adj2" fmla="val 16667"/>
-            </a:avLst>
-          </a:prstGeom>
-          <a:noFill/>
-        </p:spPr>
-        <p:txBody>
-          <a:bodyPr wrap="square" rtlCol="0">
-            <a:spAutoFit/>
-          </a:bodyPr>
-          <a:lstStyle/>
-          <a:p>
-            <a:pPr>
-              <a:lnSpc>
-                <a:spcPct val="150000"/>
-              </a:lnSpc>
-            </a:pPr>
-            <a:r>
-              <a:rPr lang="en-US" sz="1650" b="1" dirty="0">
-                <a:solidFill>
-                  <a:srgbClr val="013B43"/>
-                </a:solidFill>
-                <a:latin typeface="Bahnschrift Light Condensed" panose="020B0502040204020203" pitchFamily="34" charset="0"/>
-              </a:rPr>
-              <a:t>Overall statistics of individual advertisers</a:t>
-            </a:r>
-          </a:p>
-        </p:txBody>
-      </p:sp>
-      <p:sp>
-        <p:nvSpPr>
-          <p:cNvPr id="48" name="Rectangle: Diagonal Corners Snipped 47">
-            <a:extLst>
-              <a:ext uri="{FF2B5EF4-FFF2-40B4-BE49-F238E27FC236}">
-                <a16:creationId xmlns:a16="http://schemas.microsoft.com/office/drawing/2014/main" id="{17BB8372-CDC7-0D08-9285-E662548DF57B}"/>
-              </a:ext>
-            </a:extLst>
-          </p:cNvPr>
-          <p:cNvSpPr/>
-          <p:nvPr/>
-        </p:nvSpPr>
-        <p:spPr>
-          <a:xfrm>
-            <a:off x="1212098" y="51323"/>
-            <a:ext cx="3658025" cy="513543"/>
-          </a:xfrm>
-          <a:prstGeom prst="snip2DiagRect">
-            <a:avLst>
-              <a:gd name="adj1" fmla="val 0"/>
-              <a:gd name="adj2" fmla="val 16667"/>
-            </a:avLst>
-          </a:prstGeom>
-          <a:noFill/>
-        </p:spPr>
-        <p:txBody>
-          <a:bodyPr wrap="square" rtlCol="0">
-            <a:spAutoFit/>
-          </a:bodyPr>
-          <a:lstStyle/>
-          <a:p>
-            <a:pPr>
-              <a:lnSpc>
-                <a:spcPct val="150000"/>
-              </a:lnSpc>
-            </a:pPr>
-            <a:r>
-              <a:rPr lang="en-US" sz="1650" b="1" dirty="0">
-                <a:solidFill>
-                  <a:srgbClr val="013B43"/>
-                </a:solidFill>
-                <a:latin typeface="Bahnschrift Light Condensed" panose="020B0502040204020203" pitchFamily="34" charset="0"/>
-              </a:rPr>
-              <a:t>Political Advertisement in the Czech Republic</a:t>
-            </a:r>
-          </a:p>
-        </p:txBody>
-      </p:sp>
-      <p:sp>
-        <p:nvSpPr>
-          <p:cNvPr id="59" name="Rectangle: Diagonal Corners Snipped 58">
-            <a:extLst>
-              <a:ext uri="{FF2B5EF4-FFF2-40B4-BE49-F238E27FC236}">
-                <a16:creationId xmlns:a16="http://schemas.microsoft.com/office/drawing/2014/main" id="{82EE71DA-8951-796E-6E94-D11F26CFAB86}"/>
-              </a:ext>
-            </a:extLst>
-          </p:cNvPr>
-          <p:cNvSpPr/>
-          <p:nvPr/>
-        </p:nvSpPr>
-        <p:spPr>
-          <a:xfrm>
-            <a:off x="1410610" y="462140"/>
-            <a:ext cx="3384557" cy="1383832"/>
-          </a:xfrm>
-          <a:prstGeom prst="snip2DiagRect">
-            <a:avLst>
-              <a:gd name="adj1" fmla="val 0"/>
-              <a:gd name="adj2" fmla="val 16667"/>
-            </a:avLst>
-          </a:prstGeom>
-          <a:noFill/>
-        </p:spPr>
-        <p:txBody>
-          <a:bodyPr wrap="square" rtlCol="0">
-            <a:spAutoFit/>
-          </a:bodyPr>
-          <a:lstStyle/>
-          <a:p>
-            <a:pPr>
-              <a:lnSpc>
-                <a:spcPts val="1650"/>
-              </a:lnSpc>
-            </a:pPr>
-            <a:r>
-              <a:rPr lang="en-US" sz="1200" dirty="0">
-                <a:solidFill>
-                  <a:srgbClr val="013B43"/>
-                </a:solidFill>
-                <a:latin typeface="Bahnschrift Light Condensed" panose="020B0502040204020203" pitchFamily="34" charset="0"/>
-              </a:rPr>
-              <a:t>When ads about social issues, elections or politics appear across Meta technologies, they're required to include information about who paid for them. Additional transparency about spend, reach and funding entities </a:t>
-            </a:r>
-          </a:p>
-        </p:txBody>
-      </p:sp>
-      <p:cxnSp>
-        <p:nvCxnSpPr>
-          <p:cNvPr id="60" name="Straight Connector 59">
-            <a:extLst>
-              <a:ext uri="{FF2B5EF4-FFF2-40B4-BE49-F238E27FC236}">
-                <a16:creationId xmlns:a16="http://schemas.microsoft.com/office/drawing/2014/main" id="{17935399-D975-403C-5C79-F81C023509AB}"/>
-              </a:ext>
-            </a:extLst>
-          </p:cNvPr>
-          <p:cNvCxnSpPr>
-            <a:cxnSpLocks/>
-          </p:cNvCxnSpPr>
-          <p:nvPr/>
-        </p:nvCxnSpPr>
-        <p:spPr>
-          <a:xfrm>
-            <a:off x="8608569" y="3683168"/>
-            <a:ext cx="411957" cy="0"/>
-          </a:xfrm>
-          <a:prstGeom prst="line">
-            <a:avLst/>
-          </a:prstGeom>
-          <a:ln w="50800" cmpd="sng">
-            <a:solidFill>
-              <a:srgbClr val="002060"/>
-            </a:solidFill>
-            <a:round/>
-          </a:ln>
-        </p:spPr>
-        <p:style>
-          <a:lnRef idx="1">
-            <a:schemeClr val="accent1"/>
-          </a:lnRef>
-          <a:fillRef idx="0">
-            <a:schemeClr val="accent1"/>
-          </a:fillRef>
-          <a:effectRef idx="0">
-            <a:schemeClr val="accent1"/>
-          </a:effectRef>
-          <a:fontRef idx="minor">
-            <a:schemeClr val="tx1"/>
-          </a:fontRef>
-        </p:style>
-      </p:cxnSp>
-      <p:sp>
-        <p:nvSpPr>
-          <p:cNvPr id="61" name="Rectangle: Diagonal Corners Snipped 60">
-            <a:extLst>
-              <a:ext uri="{FF2B5EF4-FFF2-40B4-BE49-F238E27FC236}">
-                <a16:creationId xmlns:a16="http://schemas.microsoft.com/office/drawing/2014/main" id="{5E1B1B4F-3CFE-6596-0A7B-8D9C5E408651}"/>
-              </a:ext>
-            </a:extLst>
-          </p:cNvPr>
-          <p:cNvSpPr/>
-          <p:nvPr/>
-        </p:nvSpPr>
-        <p:spPr>
-          <a:xfrm>
-            <a:off x="8674703" y="3410696"/>
-            <a:ext cx="1423832" cy="558194"/>
-          </a:xfrm>
-          <a:prstGeom prst="snip2DiagRect">
-            <a:avLst>
-              <a:gd name="adj1" fmla="val 0"/>
-              <a:gd name="adj2" fmla="val 16667"/>
-            </a:avLst>
-          </a:prstGeom>
-          <a:solidFill>
-            <a:srgbClr val="DBE9F2">
-              <a:alpha val="0"/>
-            </a:srgbClr>
-          </a:solidFill>
-          <a:ln>
-            <a:solidFill>
-              <a:srgbClr val="DBE9F2">
-                <a:alpha val="0"/>
-              </a:srgbClr>
-            </a:solidFill>
-          </a:ln>
-        </p:spPr>
-        <p:style>
-          <a:lnRef idx="2">
-            <a:schemeClr val="accent1">
-              <a:shade val="15000"/>
-            </a:schemeClr>
-          </a:lnRef>
-          <a:fillRef idx="1">
-            <a:schemeClr val="accent1"/>
-          </a:fillRef>
-          <a:effectRef idx="0">
-            <a:schemeClr val="accent1"/>
-          </a:effectRef>
-          <a:fontRef idx="minor">
-            <a:schemeClr val="lt1"/>
-          </a:fontRef>
-        </p:style>
-        <p:txBody>
-          <a:bodyPr rtlCol="0" anchor="t"/>
-          <a:lstStyle/>
-          <a:p>
-            <a:pPr marL="342900" indent="-85725">
-              <a:lnSpc>
-                <a:spcPct val="150000"/>
-              </a:lnSpc>
-            </a:pPr>
-            <a:r>
-              <a:rPr lang="en-US" sz="1200" dirty="0">
-                <a:solidFill>
-                  <a:srgbClr val="013B43"/>
-                </a:solidFill>
-              </a:rPr>
-              <a:t>80/20 line</a:t>
-            </a:r>
-          </a:p>
-        </p:txBody>
-      </p:sp>
-      <p:sp>
-        <p:nvSpPr>
-          <p:cNvPr id="4" name="TextBox 3">
-            <a:extLst>
-              <a:ext uri="{FF2B5EF4-FFF2-40B4-BE49-F238E27FC236}">
-                <a16:creationId xmlns:a16="http://schemas.microsoft.com/office/drawing/2014/main" id="{F99390B9-1302-C2DF-1B9F-5B751AAF8685}"/>
-              </a:ext>
-            </a:extLst>
-          </p:cNvPr>
-          <p:cNvSpPr txBox="1"/>
-          <p:nvPr/>
-        </p:nvSpPr>
-        <p:spPr>
-          <a:xfrm>
-            <a:off x="8814548" y="6616269"/>
-            <a:ext cx="4585253" cy="367408"/>
-          </a:xfrm>
-          <a:prstGeom prst="rect">
-            <a:avLst/>
-          </a:prstGeom>
-          <a:noFill/>
-        </p:spPr>
-        <p:txBody>
-          <a:bodyPr wrap="square" rtlCol="0">
-            <a:spAutoFit/>
-          </a:bodyPr>
-          <a:lstStyle/>
-          <a:p>
-            <a:pPr>
-              <a:lnSpc>
-                <a:spcPct val="150000"/>
-              </a:lnSpc>
-            </a:pPr>
-            <a:r>
-              <a:rPr lang="en-US" sz="1350" b="1" dirty="0">
-                <a:solidFill>
-                  <a:srgbClr val="013B43"/>
-                </a:solidFill>
-                <a:latin typeface="Bahnschrift Light Condensed" panose="020B0502040204020203" pitchFamily="34" charset="0"/>
-              </a:rPr>
-              <a:t>Reach Ratio </a:t>
-            </a:r>
-            <a:r>
-              <a:rPr lang="en-US" sz="1350" dirty="0">
-                <a:solidFill>
-                  <a:srgbClr val="013B43"/>
-                </a:solidFill>
-                <a:latin typeface="Bahnschrift Light Condensed" panose="020B0502040204020203" pitchFamily="34" charset="0"/>
-              </a:rPr>
-              <a:t>= The average number of times an ad is shown to an individual</a:t>
-            </a:r>
-          </a:p>
-        </p:txBody>
-      </p:sp>
-      <p:sp>
-        <p:nvSpPr>
-          <p:cNvPr id="5" name="TextBox 4">
-            <a:extLst>
-              <a:ext uri="{FF2B5EF4-FFF2-40B4-BE49-F238E27FC236}">
-                <a16:creationId xmlns:a16="http://schemas.microsoft.com/office/drawing/2014/main" id="{F1A542D5-FA62-098A-57A7-D9C88E5EE82C}"/>
-              </a:ext>
-            </a:extLst>
-          </p:cNvPr>
-          <p:cNvSpPr txBox="1"/>
-          <p:nvPr/>
-        </p:nvSpPr>
-        <p:spPr>
-          <a:xfrm>
-            <a:off x="13598404" y="6616269"/>
-            <a:ext cx="4585253" cy="364652"/>
-          </a:xfrm>
-          <a:prstGeom prst="rect">
-            <a:avLst/>
-          </a:prstGeom>
-          <a:noFill/>
-        </p:spPr>
-        <p:txBody>
-          <a:bodyPr wrap="square" rtlCol="0">
-            <a:spAutoFit/>
-          </a:bodyPr>
-          <a:lstStyle/>
-          <a:p>
-            <a:pPr>
-              <a:lnSpc>
-                <a:spcPct val="150000"/>
-              </a:lnSpc>
-            </a:pPr>
-            <a:r>
-              <a:rPr lang="en-US" sz="1350" dirty="0">
-                <a:solidFill>
-                  <a:srgbClr val="013B43"/>
-                </a:solidFill>
-                <a:latin typeface="Bahnschrift Light Condensed" panose="020B0502040204020203" pitchFamily="34" charset="0"/>
-              </a:rPr>
-              <a:t>📈= The value is above average               📉 = The value is below average </a:t>
-            </a:r>
-          </a:p>
-        </p:txBody>
-      </p:sp>
-      <p:sp>
-        <p:nvSpPr>
-          <p:cNvPr id="6" name="Rectangle: Diagonal Corners Snipped 5">
-            <a:extLst>
-              <a:ext uri="{FF2B5EF4-FFF2-40B4-BE49-F238E27FC236}">
-                <a16:creationId xmlns:a16="http://schemas.microsoft.com/office/drawing/2014/main" id="{6E9791C2-5324-5838-FC54-5B08C959289A}"/>
-              </a:ext>
-            </a:extLst>
-          </p:cNvPr>
-          <p:cNvSpPr/>
-          <p:nvPr/>
-        </p:nvSpPr>
-        <p:spPr>
-          <a:xfrm>
-            <a:off x="164694" y="5655525"/>
-            <a:ext cx="4503894" cy="513543"/>
-          </a:xfrm>
-          <a:prstGeom prst="snip2DiagRect">
-            <a:avLst>
-              <a:gd name="adj1" fmla="val 0"/>
-              <a:gd name="adj2" fmla="val 16667"/>
-            </a:avLst>
-          </a:prstGeom>
-          <a:noFill/>
-        </p:spPr>
-        <p:txBody>
-          <a:bodyPr wrap="square" rtlCol="0">
-            <a:spAutoFit/>
-          </a:bodyPr>
-          <a:lstStyle/>
-          <a:p>
-            <a:pPr>
-              <a:lnSpc>
-                <a:spcPct val="150000"/>
-              </a:lnSpc>
-            </a:pPr>
-            <a:r>
-              <a:rPr lang="en-US" sz="1650" b="1" dirty="0">
-                <a:solidFill>
-                  <a:srgbClr val="013B43"/>
-                </a:solidFill>
-                <a:latin typeface="Bahnschrift Light Condensed" panose="020B0502040204020203" pitchFamily="34" charset="0"/>
-              </a:rPr>
-              <a:t>Who are the top 10 performers in each domain</a:t>
+              <a:t>Who is paying for it:</a:t>
             </a:r>
           </a:p>
         </p:txBody>
@@ -7688,7 +7230,7 @@
     </p:spTree>
     <p:extLst>
       <p:ext uri="{BB962C8B-B14F-4D97-AF65-F5344CB8AC3E}">
-        <p14:creationId xmlns:p14="http://schemas.microsoft.com/office/powerpoint/2010/main" val="1070696718"/>
+        <p14:creationId xmlns:p14="http://schemas.microsoft.com/office/powerpoint/2010/main" val="1540066226"/>
       </p:ext>
     </p:extLst>
   </p:cSld>
